--- a/ppt/DS-Sprint3-presentacion.pptx
+++ b/ppt/DS-Sprint3-presentacion.pptx
@@ -5,10 +5,10 @@
     <p:sldMasterId id="2147483828" r:id="rId4"/>
   </p:sldMasterIdLst>
   <p:notesMasterIdLst>
-    <p:notesMasterId r:id="rId12"/>
+    <p:notesMasterId r:id="rId17"/>
   </p:notesMasterIdLst>
   <p:handoutMasterIdLst>
-    <p:handoutMasterId r:id="rId13"/>
+    <p:handoutMasterId r:id="rId18"/>
   </p:handoutMasterIdLst>
   <p:sldIdLst>
     <p:sldId id="256" r:id="rId5"/>
@@ -17,7 +17,12 @@
     <p:sldId id="259" r:id="rId8"/>
     <p:sldId id="261" r:id="rId9"/>
     <p:sldId id="262" r:id="rId10"/>
-    <p:sldId id="260" r:id="rId11"/>
+    <p:sldId id="264" r:id="rId11"/>
+    <p:sldId id="265" r:id="rId12"/>
+    <p:sldId id="263" r:id="rId13"/>
+    <p:sldId id="266" r:id="rId14"/>
+    <p:sldId id="267" r:id="rId15"/>
+    <p:sldId id="260" r:id="rId16"/>
   </p:sldIdLst>
   <p:sldSz cx="12192000" cy="6858000"/>
   <p:notesSz cx="6858000" cy="9144000"/>
@@ -2485,18 +2490,25 @@
         </dgm:presLayoutVars>
       </dgm:prSet>
       <dgm:spPr/>
+      <dgm:t>
+        <a:bodyPr/>
+        <a:lstStyle/>
+        <a:p>
+          <a:endParaRPr lang="es-ES"/>
+        </a:p>
+      </dgm:t>
     </dgm:pt>
   </dgm:ptLst>
   <dgm:cxnLst>
-    <dgm:cxn modelId="{3E6B7CA5-EBA4-48C1-A48C-B9BCBCE8CF1E}" type="presOf" srcId="{14BC708E-A0A1-4102-88E4-E75128B4E51E}" destId="{80F6AD63-74FB-40E4-9D40-4178AFD87F60}" srcOrd="0" destOrd="0" presId="urn:microsoft.com/office/officeart/2018/2/layout/IconVerticalSolidList"/>
-    <dgm:cxn modelId="{EB9839C5-F324-41C4-8950-5284E09FB71E}" srcId="{E1B432F4-5FDB-4518-9272-2F3934AC6AA2}" destId="{14BC708E-A0A1-4102-88E4-E75128B4E51E}" srcOrd="1" destOrd="0" parTransId="{CF221EFF-354A-47A9-A498-1F0BBF01ECB8}" sibTransId="{7519C821-85FB-4CA3-BEB5-E4BFBC529B83}"/>
-    <dgm:cxn modelId="{61C7A7B4-DF2B-41BA-9B75-357F0C802BF4}" type="presOf" srcId="{2195E9DA-D3A1-4E64-901C-4608887F172E}" destId="{D15AB274-AE92-46A4-9F2A-AF3CAD43C376}" srcOrd="0" destOrd="0" presId="urn:microsoft.com/office/officeart/2018/2/layout/IconVerticalSolidList"/>
-    <dgm:cxn modelId="{BBC90806-542E-415F-AD62-F532DC79E4FB}" srcId="{E1B432F4-5FDB-4518-9272-2F3934AC6AA2}" destId="{2195E9DA-D3A1-4E64-901C-4608887F172E}" srcOrd="3" destOrd="0" parTransId="{10ACF076-D157-49FC-9750-23493CF36952}" sibTransId="{21972B68-8C77-4FDF-9563-B85DAD501710}"/>
+    <dgm:cxn modelId="{EEAA52FF-E4A1-49BD-9B1E-000F5AABCD8E}" type="presOf" srcId="{B633A646-2062-4841-AF18-847B074C6716}" destId="{C95AF6F0-F4DA-48FE-85EB-61ADFB42AA13}" srcOrd="0" destOrd="0" presId="urn:microsoft.com/office/officeart/2018/2/layout/IconVerticalSolidList"/>
+    <dgm:cxn modelId="{3905E0BC-71EE-4610-827E-655844CE3113}" type="presOf" srcId="{C6D21269-399B-4BA2-8621-C7B9DA1E1B8F}" destId="{D5847293-6F0A-4807-B203-585610F4F535}" srcOrd="0" destOrd="0" presId="urn:microsoft.com/office/officeart/2018/2/layout/IconVerticalSolidList"/>
+    <dgm:cxn modelId="{56ADA02B-9055-4F39-B74D-2D556F11DDB6}" srcId="{E1B432F4-5FDB-4518-9272-2F3934AC6AA2}" destId="{B633A646-2062-4841-AF18-847B074C6716}" srcOrd="0" destOrd="0" parTransId="{DB4A5689-BD48-4D3D-8017-D1E3C49B0DDB}" sibTransId="{1397C75F-5FD8-4120-9A24-A246D042942B}"/>
     <dgm:cxn modelId="{9C176326-2BDF-4E92-BD6C-4BCBC882ACEA}" type="presOf" srcId="{E1B432F4-5FDB-4518-9272-2F3934AC6AA2}" destId="{D40A0249-41A7-44A6-A657-361E8C18FD42}" srcOrd="0" destOrd="0" presId="urn:microsoft.com/office/officeart/2018/2/layout/IconVerticalSolidList"/>
     <dgm:cxn modelId="{E4AD895B-72A4-4A6B-A7F4-C77A53EC51BC}" srcId="{E1B432F4-5FDB-4518-9272-2F3934AC6AA2}" destId="{C6D21269-399B-4BA2-8621-C7B9DA1E1B8F}" srcOrd="2" destOrd="0" parTransId="{AA3929B3-1058-4240-AD5D-9518D4976567}" sibTransId="{C79B0F2C-DDB4-44EB-89F7-717146B88B10}"/>
-    <dgm:cxn modelId="{3905E0BC-71EE-4610-827E-655844CE3113}" type="presOf" srcId="{C6D21269-399B-4BA2-8621-C7B9DA1E1B8F}" destId="{D5847293-6F0A-4807-B203-585610F4F535}" srcOrd="0" destOrd="0" presId="urn:microsoft.com/office/officeart/2018/2/layout/IconVerticalSolidList"/>
-    <dgm:cxn modelId="{EEAA52FF-E4A1-49BD-9B1E-000F5AABCD8E}" type="presOf" srcId="{B633A646-2062-4841-AF18-847B074C6716}" destId="{C95AF6F0-F4DA-48FE-85EB-61ADFB42AA13}" srcOrd="0" destOrd="0" presId="urn:microsoft.com/office/officeart/2018/2/layout/IconVerticalSolidList"/>
-    <dgm:cxn modelId="{56ADA02B-9055-4F39-B74D-2D556F11DDB6}" srcId="{E1B432F4-5FDB-4518-9272-2F3934AC6AA2}" destId="{B633A646-2062-4841-AF18-847B074C6716}" srcOrd="0" destOrd="0" parTransId="{DB4A5689-BD48-4D3D-8017-D1E3C49B0DDB}" sibTransId="{1397C75F-5FD8-4120-9A24-A246D042942B}"/>
+    <dgm:cxn modelId="{3E6B7CA5-EBA4-48C1-A48C-B9BCBCE8CF1E}" type="presOf" srcId="{14BC708E-A0A1-4102-88E4-E75128B4E51E}" destId="{80F6AD63-74FB-40E4-9D40-4178AFD87F60}" srcOrd="0" destOrd="0" presId="urn:microsoft.com/office/officeart/2018/2/layout/IconVerticalSolidList"/>
+    <dgm:cxn modelId="{BBC90806-542E-415F-AD62-F532DC79E4FB}" srcId="{E1B432F4-5FDB-4518-9272-2F3934AC6AA2}" destId="{2195E9DA-D3A1-4E64-901C-4608887F172E}" srcOrd="3" destOrd="0" parTransId="{10ACF076-D157-49FC-9750-23493CF36952}" sibTransId="{21972B68-8C77-4FDF-9563-B85DAD501710}"/>
+    <dgm:cxn modelId="{61C7A7B4-DF2B-41BA-9B75-357F0C802BF4}" type="presOf" srcId="{2195E9DA-D3A1-4E64-901C-4608887F172E}" destId="{D15AB274-AE92-46A4-9F2A-AF3CAD43C376}" srcOrd="0" destOrd="0" presId="urn:microsoft.com/office/officeart/2018/2/layout/IconVerticalSolidList"/>
+    <dgm:cxn modelId="{EB9839C5-F324-41C4-8950-5284E09FB71E}" srcId="{E1B432F4-5FDB-4518-9272-2F3934AC6AA2}" destId="{14BC708E-A0A1-4102-88E4-E75128B4E51E}" srcOrd="1" destOrd="0" parTransId="{CF221EFF-354A-47A9-A498-1F0BBF01ECB8}" sibTransId="{7519C821-85FB-4CA3-BEB5-E4BFBC529B83}"/>
     <dgm:cxn modelId="{C3FF57AE-FB3C-49DE-82B3-0A61FA5DDA91}" type="presParOf" srcId="{D40A0249-41A7-44A6-A657-361E8C18FD42}" destId="{7D1F47A2-8F6C-4C7F-B3B3-2100C986DE32}" srcOrd="0" destOrd="0" presId="urn:microsoft.com/office/officeart/2018/2/layout/IconVerticalSolidList"/>
     <dgm:cxn modelId="{39AD4461-2A0A-410E-8C25-0B475A3D2CD5}" type="presParOf" srcId="{7D1F47A2-8F6C-4C7F-B3B3-2100C986DE32}" destId="{EC4D957C-BFAC-446D-9573-48333BEC34E6}" srcOrd="0" destOrd="0" presId="urn:microsoft.com/office/officeart/2018/2/layout/IconVerticalSolidList"/>
     <dgm:cxn modelId="{F9297396-8F77-4FD5-AAFB-AB3160B70B42}" type="presParOf" srcId="{7D1F47A2-8F6C-4C7F-B3B3-2100C986DE32}" destId="{BE6B2CCF-B717-4C6F-9115-44EF0ECE6018}" srcOrd="1" destOrd="0" presId="urn:microsoft.com/office/officeart/2018/2/layout/IconVerticalSolidList"/>
@@ -3266,20 +3278,20 @@
     </dgm:pt>
   </dgm:ptLst>
   <dgm:cxnLst>
+    <dgm:cxn modelId="{2CD6D42C-39E1-4895-97BB-C277B6C3573D}" srcId="{90F27D1E-76E8-4AE9-AD01-BE57630B5110}" destId="{26EFAA8C-070B-4368-AD8E-0E28971C7F1A}" srcOrd="1" destOrd="0" parTransId="{A01B2D2D-7198-4763-8BE4-5AFAC35FACF3}" sibTransId="{ECF84BED-6721-47AA-8789-78E6BC6F68EC}"/>
     <dgm:cxn modelId="{49B03CBE-4424-4043-9B0D-708057B949E7}" type="presOf" srcId="{BDB3E5F2-A63C-446D-94EF-53B51308F55B}" destId="{54C7621A-D6FD-4F3F-A78E-16DC33A75367}" srcOrd="0" destOrd="0" presId="urn:microsoft.com/office/officeart/2008/layout/CircleAccentTimeline"/>
+    <dgm:cxn modelId="{969D3802-D321-43DF-B9C7-B1F249CE5959}" srcId="{90F27D1E-76E8-4AE9-AD01-BE57630B5110}" destId="{25F95D6A-DC03-42B0-9E2A-8BB3CFE35643}" srcOrd="0" destOrd="0" parTransId="{0E7A7D3B-1ED1-4188-B2CE-37328AF7B3CE}" sibTransId="{A9D1ACF8-1A40-4192-A99B-C5F10A879850}"/>
+    <dgm:cxn modelId="{63A57879-F5EB-460B-9BEB-3833FB163CDF}" type="presOf" srcId="{EB633A28-325E-4F3C-9D74-7B235343A885}" destId="{4194F495-0B49-4686-B89E-B97A23BB18B4}" srcOrd="0" destOrd="0" presId="urn:microsoft.com/office/officeart/2008/layout/CircleAccentTimeline"/>
+    <dgm:cxn modelId="{A40AABA1-BDA1-444F-8866-4302F7556320}" type="presOf" srcId="{90F27D1E-76E8-4AE9-AD01-BE57630B5110}" destId="{E648DC65-DF54-488E-83A7-B6467C479D02}" srcOrd="0" destOrd="0" presId="urn:microsoft.com/office/officeart/2008/layout/CircleAccentTimeline"/>
     <dgm:cxn modelId="{74F39EB6-5C16-4483-8C84-81EE935A34AB}" srcId="{BDB3E5F2-A63C-446D-94EF-53B51308F55B}" destId="{3BF4C92A-BE32-4130-AB21-90FA76812967}" srcOrd="2" destOrd="0" parTransId="{45145B60-B4CF-43C8-A090-77DD0F136CC3}" sibTransId="{36BE8B1F-5183-4B05-9C94-6A3B4937697A}"/>
+    <dgm:cxn modelId="{D3495640-4F3F-4DC5-BE06-466CB73D04C6}" srcId="{EB633A28-325E-4F3C-9D74-7B235343A885}" destId="{90F27D1E-76E8-4AE9-AD01-BE57630B5110}" srcOrd="1" destOrd="0" parTransId="{7F336D41-A370-44FD-84FB-392EDC2E9628}" sibTransId="{08C679DB-4162-43E7-A484-512B3F99942F}"/>
+    <dgm:cxn modelId="{E2ABC98C-768D-4ECE-8F14-9483D5C94A01}" type="presOf" srcId="{25F95D6A-DC03-42B0-9E2A-8BB3CFE35643}" destId="{DB3BF36B-C726-491E-B973-D7822FF7B562}" srcOrd="0" destOrd="0" presId="urn:microsoft.com/office/officeart/2008/layout/CircleAccentTimeline"/>
+    <dgm:cxn modelId="{4FCC3C4F-65D9-4A1D-A5CF-6380A1EAEBF5}" type="presOf" srcId="{B7B3E22D-F717-4E9C-866E-07DC0AAAF31D}" destId="{713CAC38-2807-4574-93E9-2BD9E3D32931}" srcOrd="0" destOrd="0" presId="urn:microsoft.com/office/officeart/2008/layout/CircleAccentTimeline"/>
+    <dgm:cxn modelId="{0DA4BCA3-542A-41C0-97C0-77719A88DE6F}" type="presOf" srcId="{26EFAA8C-070B-4368-AD8E-0E28971C7F1A}" destId="{7B868461-920B-4257-AAE0-91738CB6D378}" srcOrd="0" destOrd="0" presId="urn:microsoft.com/office/officeart/2008/layout/CircleAccentTimeline"/>
+    <dgm:cxn modelId="{2DE3C7CC-BC3D-4DC7-BDF4-E9EF00E2B35B}" srcId="{BDB3E5F2-A63C-446D-94EF-53B51308F55B}" destId="{B7B3E22D-F717-4E9C-866E-07DC0AAAF31D}" srcOrd="1" destOrd="0" parTransId="{F5B9D25D-B57A-4E96-8949-C8A2BD9993F2}" sibTransId="{23EEF184-9BDE-48DD-A4F5-B678462A2560}"/>
     <dgm:cxn modelId="{B01D28B6-30ED-4F74-B744-6E0A3C415F4C}" type="presOf" srcId="{3BF4C92A-BE32-4130-AB21-90FA76812967}" destId="{D9AE80C5-FF95-4AE8-B7A0-6BF19841CD23}" srcOrd="0" destOrd="0" presId="urn:microsoft.com/office/officeart/2008/layout/CircleAccentTimeline"/>
     <dgm:cxn modelId="{CDE1ECD6-1D72-42D5-B8D4-ED9CA23D9ACE}" type="presOf" srcId="{76F97871-E7EF-4C5A-A6CC-0AEA140887B0}" destId="{6749C0EA-1B99-400E-B5E9-7F9E3C47DF67}" srcOrd="0" destOrd="0" presId="urn:microsoft.com/office/officeart/2008/layout/CircleAccentTimeline"/>
-    <dgm:cxn modelId="{969D3802-D321-43DF-B9C7-B1F249CE5959}" srcId="{90F27D1E-76E8-4AE9-AD01-BE57630B5110}" destId="{25F95D6A-DC03-42B0-9E2A-8BB3CFE35643}" srcOrd="0" destOrd="0" parTransId="{0E7A7D3B-1ED1-4188-B2CE-37328AF7B3CE}" sibTransId="{A9D1ACF8-1A40-4192-A99B-C5F10A879850}"/>
-    <dgm:cxn modelId="{0DA4BCA3-542A-41C0-97C0-77719A88DE6F}" type="presOf" srcId="{26EFAA8C-070B-4368-AD8E-0E28971C7F1A}" destId="{7B868461-920B-4257-AAE0-91738CB6D378}" srcOrd="0" destOrd="0" presId="urn:microsoft.com/office/officeart/2008/layout/CircleAccentTimeline"/>
-    <dgm:cxn modelId="{E2ABC98C-768D-4ECE-8F14-9483D5C94A01}" type="presOf" srcId="{25F95D6A-DC03-42B0-9E2A-8BB3CFE35643}" destId="{DB3BF36B-C726-491E-B973-D7822FF7B562}" srcOrd="0" destOrd="0" presId="urn:microsoft.com/office/officeart/2008/layout/CircleAccentTimeline"/>
     <dgm:cxn modelId="{C5CADE01-2D3E-4A22-8178-52BFE623515A}" srcId="{BDB3E5F2-A63C-446D-94EF-53B51308F55B}" destId="{76F97871-E7EF-4C5A-A6CC-0AEA140887B0}" srcOrd="0" destOrd="0" parTransId="{AF4A39E6-5101-45C2-9ED9-1B4A4D161E75}" sibTransId="{0B4A6094-6626-4B4C-A34C-3C817645D4D2}"/>
-    <dgm:cxn modelId="{4FCC3C4F-65D9-4A1D-A5CF-6380A1EAEBF5}" type="presOf" srcId="{B7B3E22D-F717-4E9C-866E-07DC0AAAF31D}" destId="{713CAC38-2807-4574-93E9-2BD9E3D32931}" srcOrd="0" destOrd="0" presId="urn:microsoft.com/office/officeart/2008/layout/CircleAccentTimeline"/>
-    <dgm:cxn modelId="{2CD6D42C-39E1-4895-97BB-C277B6C3573D}" srcId="{90F27D1E-76E8-4AE9-AD01-BE57630B5110}" destId="{26EFAA8C-070B-4368-AD8E-0E28971C7F1A}" srcOrd="1" destOrd="0" parTransId="{A01B2D2D-7198-4763-8BE4-5AFAC35FACF3}" sibTransId="{ECF84BED-6721-47AA-8789-78E6BC6F68EC}"/>
-    <dgm:cxn modelId="{D3495640-4F3F-4DC5-BE06-466CB73D04C6}" srcId="{EB633A28-325E-4F3C-9D74-7B235343A885}" destId="{90F27D1E-76E8-4AE9-AD01-BE57630B5110}" srcOrd="1" destOrd="0" parTransId="{7F336D41-A370-44FD-84FB-392EDC2E9628}" sibTransId="{08C679DB-4162-43E7-A484-512B3F99942F}"/>
-    <dgm:cxn modelId="{2DE3C7CC-BC3D-4DC7-BDF4-E9EF00E2B35B}" srcId="{BDB3E5F2-A63C-446D-94EF-53B51308F55B}" destId="{B7B3E22D-F717-4E9C-866E-07DC0AAAF31D}" srcOrd="1" destOrd="0" parTransId="{F5B9D25D-B57A-4E96-8949-C8A2BD9993F2}" sibTransId="{23EEF184-9BDE-48DD-A4F5-B678462A2560}"/>
-    <dgm:cxn modelId="{A40AABA1-BDA1-444F-8866-4302F7556320}" type="presOf" srcId="{90F27D1E-76E8-4AE9-AD01-BE57630B5110}" destId="{E648DC65-DF54-488E-83A7-B6467C479D02}" srcOrd="0" destOrd="0" presId="urn:microsoft.com/office/officeart/2008/layout/CircleAccentTimeline"/>
-    <dgm:cxn modelId="{63A57879-F5EB-460B-9BEB-3833FB163CDF}" type="presOf" srcId="{EB633A28-325E-4F3C-9D74-7B235343A885}" destId="{4194F495-0B49-4686-B89E-B97A23BB18B4}" srcOrd="0" destOrd="0" presId="urn:microsoft.com/office/officeart/2008/layout/CircleAccentTimeline"/>
     <dgm:cxn modelId="{E841B976-DDCA-4F3C-A228-DC6A3A9DCEE8}" srcId="{EB633A28-325E-4F3C-9D74-7B235343A885}" destId="{BDB3E5F2-A63C-446D-94EF-53B51308F55B}" srcOrd="0" destOrd="0" parTransId="{4DF81A4E-C143-4E1F-895C-805B7744E0C1}" sibTransId="{22693710-A273-4DE3-B56B-501EBF8AAC16}"/>
     <dgm:cxn modelId="{34F38B2B-5850-4AF2-843D-52E0758B3D31}" type="presParOf" srcId="{4194F495-0B49-4686-B89E-B97A23BB18B4}" destId="{72BA280D-2F57-47BB-AE67-6C6F9DCEF2B7}" srcOrd="0" destOrd="0" presId="urn:microsoft.com/office/officeart/2008/layout/CircleAccentTimeline"/>
     <dgm:cxn modelId="{A810E50A-FAB2-4567-B4C9-154D65186FBE}" type="presParOf" srcId="{72BA280D-2F57-47BB-AE67-6C6F9DCEF2B7}" destId="{A85A93E5-AB9A-439C-9142-AD5A4BFF47F6}" srcOrd="0" destOrd="0" presId="urn:microsoft.com/office/officeart/2008/layout/CircleAccentTimeline"/>
@@ -5209,7 +5221,7 @@
   </dgm:layoutNode>
   <dgm:extLst>
     <a:ext uri="{68A01E43-0DF5-4B5B-8FA6-DAF915123BFB}">
-      <dgm1612:lstStyle xmlns:dgm1612="http://schemas.microsoft.com/office/drawing/2016/12/diagram" xmlns="">
+      <dgm1612:lstStyle xmlns="" xmlns:dgm1612="http://schemas.microsoft.com/office/drawing/2016/12/diagram">
         <a:lvl1pPr>
           <a:lnSpc>
             <a:spcPct val="100000"/>
@@ -7897,7 +7909,7 @@
           <a:p>
             <a:fld id="{9544EA90-306F-45C7-8AEA-F0890CB16039}" type="datetime1">
               <a:rPr lang="es-ES" smtClean="0"/>
-              <a:t>31/01/2024</a:t>
+              <a:t>06/02/2024</a:t>
             </a:fld>
             <a:endParaRPr lang="es-ES" dirty="0"/>
           </a:p>
@@ -8063,7 +8075,7 @@
             <a:fld id="{2DA2A226-B20B-4D06-8640-8814B3489581}" type="datetime1">
               <a:rPr lang="es-ES" smtClean="0"/>
               <a:pPr/>
-              <a:t>31/01/2024</a:t>
+              <a:t>06/02/2024</a:t>
             </a:fld>
             <a:endParaRPr lang="es-ES" dirty="0"/>
           </a:p>
@@ -8414,6 +8426,258 @@
 </p:notes>
 </file>
 
+<file path=ppt/notesSlides/notesSlide10.xml><?xml version="1.0" encoding="utf-8"?>
+<p:notes xmlns:a="http://schemas.openxmlformats.org/drawingml/2006/main" xmlns:r="http://schemas.openxmlformats.org/officeDocument/2006/relationships" xmlns:p="http://schemas.openxmlformats.org/presentationml/2006/main">
+  <p:cSld>
+    <p:spTree>
+      <p:nvGrpSpPr>
+        <p:cNvPr id="1" name=""/>
+        <p:cNvGrpSpPr/>
+        <p:nvPr/>
+      </p:nvGrpSpPr>
+      <p:grpSpPr>
+        <a:xfrm>
+          <a:off x="0" y="0"/>
+          <a:ext cx="0" cy="0"/>
+          <a:chOff x="0" y="0"/>
+          <a:chExt cx="0" cy="0"/>
+        </a:xfrm>
+      </p:grpSpPr>
+      <p:sp>
+        <p:nvSpPr>
+          <p:cNvPr id="2" name="Marcador de imagen de diapositiva 1"/>
+          <p:cNvSpPr>
+            <a:spLocks noGrp="1" noRot="1" noChangeAspect="1"/>
+          </p:cNvSpPr>
+          <p:nvPr>
+            <p:ph type="sldImg"/>
+          </p:nvPr>
+        </p:nvSpPr>
+        <p:spPr/>
+      </p:sp>
+      <p:sp>
+        <p:nvSpPr>
+          <p:cNvPr id="3" name="Marcador de notas 2"/>
+          <p:cNvSpPr>
+            <a:spLocks noGrp="1"/>
+          </p:cNvSpPr>
+          <p:nvPr>
+            <p:ph type="body" idx="1"/>
+          </p:nvPr>
+        </p:nvSpPr>
+        <p:spPr/>
+        <p:txBody>
+          <a:bodyPr/>
+          <a:lstStyle/>
+          <a:p>
+            <a:endParaRPr lang="es-ES" dirty="0"/>
+          </a:p>
+        </p:txBody>
+      </p:sp>
+      <p:sp>
+        <p:nvSpPr>
+          <p:cNvPr id="4" name="Marcador de número de diapositiva 3"/>
+          <p:cNvSpPr>
+            <a:spLocks noGrp="1"/>
+          </p:cNvSpPr>
+          <p:nvPr>
+            <p:ph type="sldNum" sz="quarter" idx="10"/>
+          </p:nvPr>
+        </p:nvSpPr>
+        <p:spPr/>
+        <p:txBody>
+          <a:bodyPr/>
+          <a:lstStyle/>
+          <a:p>
+            <a:fld id="{3583E773-7C4B-4260-8A45-886C6E4C8EB6}" type="slidenum">
+              <a:rPr lang="es-ES" smtClean="0"/>
+              <a:t>10</a:t>
+            </a:fld>
+            <a:endParaRPr lang="es-ES" dirty="0"/>
+          </a:p>
+        </p:txBody>
+      </p:sp>
+    </p:spTree>
+    <p:extLst>
+      <p:ext uri="{BB962C8B-B14F-4D97-AF65-F5344CB8AC3E}">
+        <p14:creationId xmlns:p14="http://schemas.microsoft.com/office/powerpoint/2010/main" val="1224708612"/>
+      </p:ext>
+    </p:extLst>
+  </p:cSld>
+  <p:clrMapOvr>
+    <a:masterClrMapping/>
+  </p:clrMapOvr>
+</p:notes>
+</file>
+
+<file path=ppt/notesSlides/notesSlide11.xml><?xml version="1.0" encoding="utf-8"?>
+<p:notes xmlns:a="http://schemas.openxmlformats.org/drawingml/2006/main" xmlns:r="http://schemas.openxmlformats.org/officeDocument/2006/relationships" xmlns:p="http://schemas.openxmlformats.org/presentationml/2006/main">
+  <p:cSld>
+    <p:spTree>
+      <p:nvGrpSpPr>
+        <p:cNvPr id="1" name=""/>
+        <p:cNvGrpSpPr/>
+        <p:nvPr/>
+      </p:nvGrpSpPr>
+      <p:grpSpPr>
+        <a:xfrm>
+          <a:off x="0" y="0"/>
+          <a:ext cx="0" cy="0"/>
+          <a:chOff x="0" y="0"/>
+          <a:chExt cx="0" cy="0"/>
+        </a:xfrm>
+      </p:grpSpPr>
+      <p:sp>
+        <p:nvSpPr>
+          <p:cNvPr id="2" name="Marcador de imagen de diapositiva 1"/>
+          <p:cNvSpPr>
+            <a:spLocks noGrp="1" noRot="1" noChangeAspect="1"/>
+          </p:cNvSpPr>
+          <p:nvPr>
+            <p:ph type="sldImg"/>
+          </p:nvPr>
+        </p:nvSpPr>
+        <p:spPr/>
+      </p:sp>
+      <p:sp>
+        <p:nvSpPr>
+          <p:cNvPr id="3" name="Marcador de notas 2"/>
+          <p:cNvSpPr>
+            <a:spLocks noGrp="1"/>
+          </p:cNvSpPr>
+          <p:nvPr>
+            <p:ph type="body" idx="1"/>
+          </p:nvPr>
+        </p:nvSpPr>
+        <p:spPr/>
+        <p:txBody>
+          <a:bodyPr/>
+          <a:lstStyle/>
+          <a:p>
+            <a:endParaRPr lang="es-ES" dirty="0"/>
+          </a:p>
+        </p:txBody>
+      </p:sp>
+      <p:sp>
+        <p:nvSpPr>
+          <p:cNvPr id="4" name="Marcador de número de diapositiva 3"/>
+          <p:cNvSpPr>
+            <a:spLocks noGrp="1"/>
+          </p:cNvSpPr>
+          <p:nvPr>
+            <p:ph type="sldNum" sz="quarter" idx="10"/>
+          </p:nvPr>
+        </p:nvSpPr>
+        <p:spPr/>
+        <p:txBody>
+          <a:bodyPr/>
+          <a:lstStyle/>
+          <a:p>
+            <a:fld id="{3583E773-7C4B-4260-8A45-886C6E4C8EB6}" type="slidenum">
+              <a:rPr lang="es-ES" smtClean="0"/>
+              <a:t>11</a:t>
+            </a:fld>
+            <a:endParaRPr lang="es-ES" dirty="0"/>
+          </a:p>
+        </p:txBody>
+      </p:sp>
+    </p:spTree>
+    <p:extLst>
+      <p:ext uri="{BB962C8B-B14F-4D97-AF65-F5344CB8AC3E}">
+        <p14:creationId xmlns:p14="http://schemas.microsoft.com/office/powerpoint/2010/main" val="2181930922"/>
+      </p:ext>
+    </p:extLst>
+  </p:cSld>
+  <p:clrMapOvr>
+    <a:masterClrMapping/>
+  </p:clrMapOvr>
+</p:notes>
+</file>
+
+<file path=ppt/notesSlides/notesSlide12.xml><?xml version="1.0" encoding="utf-8"?>
+<p:notes xmlns:a="http://schemas.openxmlformats.org/drawingml/2006/main" xmlns:r="http://schemas.openxmlformats.org/officeDocument/2006/relationships" xmlns:p="http://schemas.openxmlformats.org/presentationml/2006/main">
+  <p:cSld>
+    <p:spTree>
+      <p:nvGrpSpPr>
+        <p:cNvPr id="1" name=""/>
+        <p:cNvGrpSpPr/>
+        <p:nvPr/>
+      </p:nvGrpSpPr>
+      <p:grpSpPr>
+        <a:xfrm>
+          <a:off x="0" y="0"/>
+          <a:ext cx="0" cy="0"/>
+          <a:chOff x="0" y="0"/>
+          <a:chExt cx="0" cy="0"/>
+        </a:xfrm>
+      </p:grpSpPr>
+      <p:sp>
+        <p:nvSpPr>
+          <p:cNvPr id="2" name="Marcador de imagen de diapositiva 1"/>
+          <p:cNvSpPr>
+            <a:spLocks noGrp="1" noRot="1" noChangeAspect="1"/>
+          </p:cNvSpPr>
+          <p:nvPr>
+            <p:ph type="sldImg"/>
+          </p:nvPr>
+        </p:nvSpPr>
+        <p:spPr/>
+      </p:sp>
+      <p:sp>
+        <p:nvSpPr>
+          <p:cNvPr id="3" name="Marcador de notas 2"/>
+          <p:cNvSpPr>
+            <a:spLocks noGrp="1"/>
+          </p:cNvSpPr>
+          <p:nvPr>
+            <p:ph type="body" idx="1"/>
+          </p:nvPr>
+        </p:nvSpPr>
+        <p:spPr/>
+        <p:txBody>
+          <a:bodyPr/>
+          <a:lstStyle/>
+          <a:p>
+            <a:endParaRPr lang="es-ES" dirty="0"/>
+          </a:p>
+        </p:txBody>
+      </p:sp>
+      <p:sp>
+        <p:nvSpPr>
+          <p:cNvPr id="4" name="Marcador de número de diapositiva 3"/>
+          <p:cNvSpPr>
+            <a:spLocks noGrp="1"/>
+          </p:cNvSpPr>
+          <p:nvPr>
+            <p:ph type="sldNum" sz="quarter" idx="10"/>
+          </p:nvPr>
+        </p:nvSpPr>
+        <p:spPr/>
+        <p:txBody>
+          <a:bodyPr/>
+          <a:lstStyle/>
+          <a:p>
+            <a:fld id="{3583E773-7C4B-4260-8A45-886C6E4C8EB6}" type="slidenum">
+              <a:rPr lang="es-ES" smtClean="0"/>
+              <a:t>12</a:t>
+            </a:fld>
+            <a:endParaRPr lang="es-ES" dirty="0"/>
+          </a:p>
+        </p:txBody>
+      </p:sp>
+    </p:spTree>
+    <p:extLst>
+      <p:ext uri="{BB962C8B-B14F-4D97-AF65-F5344CB8AC3E}">
+        <p14:creationId xmlns:p14="http://schemas.microsoft.com/office/powerpoint/2010/main" val="2438967742"/>
+      </p:ext>
+    </p:extLst>
+  </p:cSld>
+  <p:clrMapOvr>
+    <a:masterClrMapping/>
+  </p:clrMapOvr>
+</p:notes>
+</file>
+
 <file path=ppt/notesSlides/notesSlide2.xml><?xml version="1.0" encoding="utf-8"?>
 <p:notes xmlns:a="http://schemas.openxmlformats.org/drawingml/2006/main" xmlns:r="http://schemas.openxmlformats.org/officeDocument/2006/relationships" xmlns:p="http://schemas.openxmlformats.org/presentationml/2006/main">
   <p:cSld>
@@ -8908,7 +9172,175 @@
     </p:spTree>
     <p:extLst>
       <p:ext uri="{BB962C8B-B14F-4D97-AF65-F5344CB8AC3E}">
-        <p14:creationId xmlns:p14="http://schemas.microsoft.com/office/powerpoint/2010/main" val="2438967742"/>
+        <p14:creationId xmlns:p14="http://schemas.microsoft.com/office/powerpoint/2010/main" val="3610388968"/>
+      </p:ext>
+    </p:extLst>
+  </p:cSld>
+  <p:clrMapOvr>
+    <a:masterClrMapping/>
+  </p:clrMapOvr>
+</p:notes>
+</file>
+
+<file path=ppt/notesSlides/notesSlide8.xml><?xml version="1.0" encoding="utf-8"?>
+<p:notes xmlns:a="http://schemas.openxmlformats.org/drawingml/2006/main" xmlns:r="http://schemas.openxmlformats.org/officeDocument/2006/relationships" xmlns:p="http://schemas.openxmlformats.org/presentationml/2006/main">
+  <p:cSld>
+    <p:spTree>
+      <p:nvGrpSpPr>
+        <p:cNvPr id="1" name=""/>
+        <p:cNvGrpSpPr/>
+        <p:nvPr/>
+      </p:nvGrpSpPr>
+      <p:grpSpPr>
+        <a:xfrm>
+          <a:off x="0" y="0"/>
+          <a:ext cx="0" cy="0"/>
+          <a:chOff x="0" y="0"/>
+          <a:chExt cx="0" cy="0"/>
+        </a:xfrm>
+      </p:grpSpPr>
+      <p:sp>
+        <p:nvSpPr>
+          <p:cNvPr id="2" name="Marcador de imagen de diapositiva 1"/>
+          <p:cNvSpPr>
+            <a:spLocks noGrp="1" noRot="1" noChangeAspect="1"/>
+          </p:cNvSpPr>
+          <p:nvPr>
+            <p:ph type="sldImg"/>
+          </p:nvPr>
+        </p:nvSpPr>
+        <p:spPr/>
+      </p:sp>
+      <p:sp>
+        <p:nvSpPr>
+          <p:cNvPr id="3" name="Marcador de notas 2"/>
+          <p:cNvSpPr>
+            <a:spLocks noGrp="1"/>
+          </p:cNvSpPr>
+          <p:nvPr>
+            <p:ph type="body" idx="1"/>
+          </p:nvPr>
+        </p:nvSpPr>
+        <p:spPr/>
+        <p:txBody>
+          <a:bodyPr/>
+          <a:lstStyle/>
+          <a:p>
+            <a:endParaRPr lang="es-ES" dirty="0"/>
+          </a:p>
+        </p:txBody>
+      </p:sp>
+      <p:sp>
+        <p:nvSpPr>
+          <p:cNvPr id="4" name="Marcador de número de diapositiva 3"/>
+          <p:cNvSpPr>
+            <a:spLocks noGrp="1"/>
+          </p:cNvSpPr>
+          <p:nvPr>
+            <p:ph type="sldNum" sz="quarter" idx="10"/>
+          </p:nvPr>
+        </p:nvSpPr>
+        <p:spPr/>
+        <p:txBody>
+          <a:bodyPr/>
+          <a:lstStyle/>
+          <a:p>
+            <a:fld id="{3583E773-7C4B-4260-8A45-886C6E4C8EB6}" type="slidenum">
+              <a:rPr lang="es-ES" smtClean="0"/>
+              <a:t>8</a:t>
+            </a:fld>
+            <a:endParaRPr lang="es-ES" dirty="0"/>
+          </a:p>
+        </p:txBody>
+      </p:sp>
+    </p:spTree>
+    <p:extLst>
+      <p:ext uri="{BB962C8B-B14F-4D97-AF65-F5344CB8AC3E}">
+        <p14:creationId xmlns:p14="http://schemas.microsoft.com/office/powerpoint/2010/main" val="3262091669"/>
+      </p:ext>
+    </p:extLst>
+  </p:cSld>
+  <p:clrMapOvr>
+    <a:masterClrMapping/>
+  </p:clrMapOvr>
+</p:notes>
+</file>
+
+<file path=ppt/notesSlides/notesSlide9.xml><?xml version="1.0" encoding="utf-8"?>
+<p:notes xmlns:a="http://schemas.openxmlformats.org/drawingml/2006/main" xmlns:r="http://schemas.openxmlformats.org/officeDocument/2006/relationships" xmlns:p="http://schemas.openxmlformats.org/presentationml/2006/main">
+  <p:cSld>
+    <p:spTree>
+      <p:nvGrpSpPr>
+        <p:cNvPr id="1" name=""/>
+        <p:cNvGrpSpPr/>
+        <p:nvPr/>
+      </p:nvGrpSpPr>
+      <p:grpSpPr>
+        <a:xfrm>
+          <a:off x="0" y="0"/>
+          <a:ext cx="0" cy="0"/>
+          <a:chOff x="0" y="0"/>
+          <a:chExt cx="0" cy="0"/>
+        </a:xfrm>
+      </p:grpSpPr>
+      <p:sp>
+        <p:nvSpPr>
+          <p:cNvPr id="2" name="Marcador de imagen de diapositiva 1"/>
+          <p:cNvSpPr>
+            <a:spLocks noGrp="1" noRot="1" noChangeAspect="1"/>
+          </p:cNvSpPr>
+          <p:nvPr>
+            <p:ph type="sldImg"/>
+          </p:nvPr>
+        </p:nvSpPr>
+        <p:spPr/>
+      </p:sp>
+      <p:sp>
+        <p:nvSpPr>
+          <p:cNvPr id="3" name="Marcador de notas 2"/>
+          <p:cNvSpPr>
+            <a:spLocks noGrp="1"/>
+          </p:cNvSpPr>
+          <p:nvPr>
+            <p:ph type="body" idx="1"/>
+          </p:nvPr>
+        </p:nvSpPr>
+        <p:spPr/>
+        <p:txBody>
+          <a:bodyPr/>
+          <a:lstStyle/>
+          <a:p>
+            <a:endParaRPr lang="es-ES" dirty="0"/>
+          </a:p>
+        </p:txBody>
+      </p:sp>
+      <p:sp>
+        <p:nvSpPr>
+          <p:cNvPr id="4" name="Marcador de número de diapositiva 3"/>
+          <p:cNvSpPr>
+            <a:spLocks noGrp="1"/>
+          </p:cNvSpPr>
+          <p:nvPr>
+            <p:ph type="sldNum" sz="quarter" idx="10"/>
+          </p:nvPr>
+        </p:nvSpPr>
+        <p:spPr/>
+        <p:txBody>
+          <a:bodyPr/>
+          <a:lstStyle/>
+          <a:p>
+            <a:fld id="{3583E773-7C4B-4260-8A45-886C6E4C8EB6}" type="slidenum">
+              <a:rPr lang="es-ES" smtClean="0"/>
+              <a:t>9</a:t>
+            </a:fld>
+            <a:endParaRPr lang="es-ES" dirty="0"/>
+          </a:p>
+        </p:txBody>
+      </p:sp>
+    </p:spTree>
+    <p:extLst>
+      <p:ext uri="{BB962C8B-B14F-4D97-AF65-F5344CB8AC3E}">
+        <p14:creationId xmlns:p14="http://schemas.microsoft.com/office/powerpoint/2010/main" val="2226491896"/>
       </p:ext>
     </p:extLst>
   </p:cSld>
@@ -9084,7 +9516,7 @@
             <a:pPr rtl="0"/>
             <a:fld id="{57471103-BF6F-4523-9C54-5778E416DB58}" type="datetime1">
               <a:rPr lang="es-ES" noProof="0" smtClean="0"/>
-              <a:t>31/01/2024</a:t>
+              <a:t>06/02/2024</a:t>
             </a:fld>
             <a:endParaRPr lang="es-ES" noProof="0" dirty="0"/>
           </a:p>
@@ -9262,7 +9694,7 @@
             <a:pPr rtl="0"/>
             <a:fld id="{61C921E0-F9B3-4702-8EC0-299925A79D98}" type="datetime1">
               <a:rPr lang="es-ES" noProof="0" smtClean="0"/>
-              <a:t>31/01/2024</a:t>
+              <a:t>06/02/2024</a:t>
             </a:fld>
             <a:endParaRPr lang="es-ES" noProof="0" dirty="0"/>
           </a:p>
@@ -9450,7 +9882,7 @@
             <a:pPr rtl="0"/>
             <a:fld id="{2178A963-0DBC-4F57-AC62-29DD17473BF1}" type="datetime1">
               <a:rPr lang="es-ES" noProof="0" smtClean="0"/>
-              <a:t>31/01/2024</a:t>
+              <a:t>06/02/2024</a:t>
             </a:fld>
             <a:endParaRPr lang="es-ES" noProof="0" dirty="0"/>
           </a:p>
@@ -9628,7 +10060,7 @@
             <a:pPr rtl="0"/>
             <a:fld id="{498DF8EB-855A-4C83-AF3D-50B349D4E538}" type="datetime1">
               <a:rPr lang="es-ES" noProof="0" smtClean="0"/>
-              <a:t>31/01/2024</a:t>
+              <a:t>06/02/2024</a:t>
             </a:fld>
             <a:endParaRPr lang="es-ES" noProof="0" dirty="0"/>
           </a:p>
@@ -9904,7 +10336,7 @@
             <a:pPr rtl="0"/>
             <a:fld id="{9E9B2C39-3850-493C-952C-ECB939438560}" type="datetime1">
               <a:rPr lang="es-ES" noProof="0" smtClean="0"/>
-              <a:t>31/01/2024</a:t>
+              <a:t>06/02/2024</a:t>
             </a:fld>
             <a:endParaRPr lang="es-ES" noProof="0" dirty="0"/>
           </a:p>
@@ -10144,7 +10576,7 @@
             <a:pPr rtl="0"/>
             <a:fld id="{1D5FC420-51AA-4FAF-95BB-30176D68DEE8}" type="datetime1">
               <a:rPr lang="es-ES" noProof="0" smtClean="0"/>
-              <a:t>31/01/2024</a:t>
+              <a:t>06/02/2024</a:t>
             </a:fld>
             <a:endParaRPr lang="es-ES" noProof="0" dirty="0"/>
           </a:p>
@@ -10510,7 +10942,7 @@
             <a:pPr rtl="0"/>
             <a:fld id="{98F8B10C-B5AA-496A-AB83-56DD82CCA5A4}" type="datetime1">
               <a:rPr lang="es-ES" noProof="0" smtClean="0"/>
-              <a:t>31/01/2024</a:t>
+              <a:t>06/02/2024</a:t>
             </a:fld>
             <a:endParaRPr lang="es-ES" noProof="0" dirty="0"/>
           </a:p>
@@ -10661,7 +11093,7 @@
             <a:pPr rtl="0"/>
             <a:fld id="{A5E055F8-74A9-4173-B5CF-879C893039BB}" type="datetime1">
               <a:rPr lang="es-ES" noProof="0" smtClean="0"/>
-              <a:t>31/01/2024</a:t>
+              <a:t>06/02/2024</a:t>
             </a:fld>
             <a:endParaRPr lang="es-ES" noProof="0" dirty="0"/>
           </a:p>
@@ -10763,7 +11195,7 @@
             <a:pPr rtl="0"/>
             <a:fld id="{26141DB3-9D6D-4B67-A217-70651BDEF77B}" type="datetime1">
               <a:rPr lang="es-ES" noProof="0" smtClean="0"/>
-              <a:t>31/01/2024</a:t>
+              <a:t>06/02/2024</a:t>
             </a:fld>
             <a:endParaRPr lang="es-ES" noProof="0" dirty="0"/>
           </a:p>
@@ -11128,7 +11560,7 @@
             <a:pPr rtl="0"/>
             <a:fld id="{3B2F7798-4E4E-464F-96F9-7EFD6F0AD4BD}" type="datetime1">
               <a:rPr lang="es-ES" noProof="0" smtClean="0"/>
-              <a:t>31/01/2024</a:t>
+              <a:t>06/02/2024</a:t>
             </a:fld>
             <a:endParaRPr lang="es-ES" noProof="0" dirty="0"/>
           </a:p>
@@ -11494,7 +11926,7 @@
             <a:pPr rtl="0"/>
             <a:fld id="{CB86E2E8-7102-4A1A-AF5B-45BB32A33A1B}" type="datetime1">
               <a:rPr lang="es-ES" noProof="0" smtClean="0"/>
-              <a:t>31/01/2024</a:t>
+              <a:t>06/02/2024</a:t>
             </a:fld>
             <a:endParaRPr lang="es-ES" noProof="0" dirty="0"/>
           </a:p>
@@ -11742,7 +12174,7 @@
             <a:pPr rtl="0"/>
             <a:fld id="{F9BA73C7-9371-4491-AB0C-39991AAC6058}" type="datetime1">
               <a:rPr lang="es-ES" noProof="0" smtClean="0"/>
-              <a:t>31/01/2024</a:t>
+              <a:t>06/02/2024</a:t>
             </a:fld>
             <a:endParaRPr lang="es-ES" noProof="0" dirty="0"/>
           </a:p>
@@ -12217,7 +12649,7 @@
                 <a16:creationId xmlns:a16="http://schemas.microsoft.com/office/drawing/2014/main" id="{6981E6A2-4656-4CFE-9BF4-39D81EE2CA9B}"/>
               </a:ext>
               <a:ext uri="{C183D7F6-B498-43B3-948B-1728B52AA6E4}">
-                <adec:decorative xmlns:adec="http://schemas.microsoft.com/office/drawing/2017/decorative" xmlns="" val="1"/>
+                <adec:decorative xmlns="" xmlns:adec="http://schemas.microsoft.com/office/drawing/2017/decorative" val="1"/>
               </a:ext>
             </a:extLst>
           </p:cNvPr>
@@ -12456,7 +12888,7 @@
 </p:sld>
 </file>
 
-<file path=ppt/slides/slide2.xml><?xml version="1.0" encoding="utf-8"?>
+<file path=ppt/slides/slide10.xml><?xml version="1.0" encoding="utf-8"?>
 <p:sld xmlns:a="http://schemas.openxmlformats.org/drawingml/2006/main" xmlns:r="http://schemas.openxmlformats.org/officeDocument/2006/relationships" xmlns:p="http://schemas.openxmlformats.org/presentationml/2006/main">
   <p:cSld>
     <p:bg>
@@ -12483,13 +12915,13 @@
       </p:grpSpPr>
       <p:sp useBgFill="1">
         <p:nvSpPr>
-          <p:cNvPr id="10" name="Rectángulo 9">
+          <p:cNvPr id="18" name="Rectángulo 17">
             <a:extLst>
               <a:ext uri="{FF2B5EF4-FFF2-40B4-BE49-F238E27FC236}">
                 <a16:creationId xmlns:a16="http://schemas.microsoft.com/office/drawing/2014/main" id="{93F0ADB5-A0B4-4B01-A8C4-FDC34CE22BD4}"/>
               </a:ext>
               <a:ext uri="{C183D7F6-B498-43B3-948B-1728B52AA6E4}">
-                <adec:decorative xmlns:adec="http://schemas.microsoft.com/office/drawing/2017/decorative" xmlns="" val="1"/>
+                <adec:decorative xmlns="" xmlns:adec="http://schemas.microsoft.com/office/drawing/2017/decorative" val="1"/>
               </a:ext>
             </a:extLst>
           </p:cNvPr>
@@ -12543,13 +12975,997 @@
       </p:sp>
       <p:sp>
         <p:nvSpPr>
+          <p:cNvPr id="20" name="Rectángulo 19">
+            <a:extLst>
+              <a:ext uri="{FF2B5EF4-FFF2-40B4-BE49-F238E27FC236}">
+                <a16:creationId xmlns:a16="http://schemas.microsoft.com/office/drawing/2014/main" id="{AA6D0FDE-0241-4C21-A720-A69475358235}"/>
+              </a:ext>
+              <a:ext uri="{C183D7F6-B498-43B3-948B-1728B52AA6E4}">
+                <adec:decorative xmlns="" xmlns:adec="http://schemas.microsoft.com/office/drawing/2017/decorative" val="1"/>
+              </a:ext>
+            </a:extLst>
+          </p:cNvPr>
+          <p:cNvSpPr>
+            <a:spLocks noGrp="1" noRot="1" noChangeAspect="1" noMove="1" noResize="1" noEditPoints="1" noAdjustHandles="1" noChangeArrowheads="1" noChangeShapeType="1" noTextEdit="1"/>
+          </p:cNvSpPr>
+          <p:nvPr>
+            <p:extLst>
+              <p:ext uri="{386F3935-93C4-4BCD-93E2-E3B085C9AB24}">
+                <p16:designElem xmlns:p16="http://schemas.microsoft.com/office/powerpoint/2015/main" val="1"/>
+              </p:ext>
+            </p:extLst>
+          </p:nvPr>
+        </p:nvSpPr>
+        <p:spPr>
+          <a:xfrm>
+            <a:off x="0" y="0"/>
+            <a:ext cx="4654296" cy="6858000"/>
+          </a:xfrm>
+          <a:prstGeom prst="rect">
+            <a:avLst/>
+          </a:prstGeom>
+          <a:solidFill>
+            <a:schemeClr val="tx1">
+              <a:lumMod val="95000"/>
+              <a:lumOff val="5000"/>
+            </a:schemeClr>
+          </a:solidFill>
+          <a:ln>
+            <a:noFill/>
+          </a:ln>
+        </p:spPr>
+        <p:style>
+          <a:lnRef idx="0">
+            <a:scrgbClr r="0" g="0" b="0"/>
+          </a:lnRef>
+          <a:fillRef idx="0">
+            <a:scrgbClr r="0" g="0" b="0"/>
+          </a:fillRef>
+          <a:effectRef idx="0">
+            <a:scrgbClr r="0" g="0" b="0"/>
+          </a:effectRef>
+          <a:fontRef idx="minor">
+            <a:schemeClr val="lt1"/>
+          </a:fontRef>
+        </p:style>
+        <p:txBody>
+          <a:bodyPr rtlCol="0" anchor="ctr"/>
+          <a:lstStyle/>
+          <a:p>
+            <a:pPr algn="ctr" rtl="0"/>
+            <a:endParaRPr lang="es-ES" dirty="0"/>
+          </a:p>
+        </p:txBody>
+      </p:sp>
+      <p:sp>
+        <p:nvSpPr>
+          <p:cNvPr id="2" name="Título 1">
+            <a:extLst>
+              <a:ext uri="{FF2B5EF4-FFF2-40B4-BE49-F238E27FC236}">
+                <a16:creationId xmlns:a16="http://schemas.microsoft.com/office/drawing/2014/main" id="{15115107-5DA3-4397-A1DA-67705DAE1EC2}"/>
+              </a:ext>
+            </a:extLst>
+          </p:cNvPr>
+          <p:cNvSpPr>
+            <a:spLocks noGrp="1"/>
+          </p:cNvSpPr>
+          <p:nvPr>
+            <p:ph type="title"/>
+          </p:nvPr>
+        </p:nvSpPr>
+        <p:spPr>
+          <a:xfrm>
+            <a:off x="643467" y="2681103"/>
+            <a:ext cx="3363974" cy="1495794"/>
+          </a:xfrm>
+          <a:noFill/>
+          <a:ln w="31750" cap="sq">
+            <a:solidFill>
+              <a:srgbClr val="FFFFFF"/>
+            </a:solidFill>
+            <a:miter lim="800000"/>
+          </a:ln>
+          <a:effectLst>
+            <a:glow rad="152400">
+              <a:schemeClr val="bg1">
+                <a:alpha val="13000"/>
+              </a:schemeClr>
+            </a:glow>
+          </a:effectLst>
+        </p:spPr>
+        <p:txBody>
+          <a:bodyPr vert="horz" wrap="square" lIns="182880" tIns="182880" rIns="182880" bIns="182880" rtlCol="0" anchor="ctr">
+            <a:normAutofit/>
+          </a:bodyPr>
+          <a:lstStyle/>
+          <a:p>
+            <a:pPr rtl="0"/>
+            <a:r>
+              <a:rPr lang="es-ES" dirty="0" smtClean="0">
+                <a:solidFill>
+                  <a:srgbClr val="FFFFFF"/>
+                </a:solidFill>
+              </a:rPr>
+              <a:t>RESULTADOS</a:t>
+            </a:r>
+            <a:endParaRPr lang="es-ES" dirty="0">
+              <a:solidFill>
+                <a:srgbClr val="FFFFFF"/>
+              </a:solidFill>
+            </a:endParaRPr>
+          </a:p>
+        </p:txBody>
+      </p:sp>
+      <p:pic>
+        <p:nvPicPr>
+          <p:cNvPr id="4" name="Imagen 3"/>
+          <p:cNvPicPr>
+            <a:picLocks noChangeAspect="1"/>
+          </p:cNvPicPr>
+          <p:nvPr/>
+        </p:nvPicPr>
+        <p:blipFill>
+          <a:blip r:embed="rId3">
+            <a:extLst>
+              <a:ext uri="{28A0092B-C50C-407E-A947-70E740481C1C}">
+                <a14:useLocalDpi xmlns:a14="http://schemas.microsoft.com/office/drawing/2010/main" val="0"/>
+              </a:ext>
+            </a:extLst>
+          </a:blip>
+          <a:stretch>
+            <a:fillRect/>
+          </a:stretch>
+        </p:blipFill>
+        <p:spPr>
+          <a:xfrm>
+            <a:off x="5756165" y="2008311"/>
+            <a:ext cx="782270" cy="782270"/>
+          </a:xfrm>
+          <a:prstGeom prst="rect">
+            <a:avLst/>
+          </a:prstGeom>
+        </p:spPr>
+      </p:pic>
+      <p:pic>
+        <p:nvPicPr>
+          <p:cNvPr id="8" name="Imagen 7"/>
+          <p:cNvPicPr>
+            <a:picLocks noChangeAspect="1"/>
+          </p:cNvPicPr>
+          <p:nvPr/>
+        </p:nvPicPr>
+        <p:blipFill>
+          <a:blip r:embed="rId3">
+            <a:extLst>
+              <a:ext uri="{28A0092B-C50C-407E-A947-70E740481C1C}">
+                <a14:useLocalDpi xmlns:a14="http://schemas.microsoft.com/office/drawing/2010/main" val="0"/>
+              </a:ext>
+            </a:extLst>
+          </a:blip>
+          <a:stretch>
+            <a:fillRect/>
+          </a:stretch>
+        </p:blipFill>
+        <p:spPr>
+          <a:xfrm>
+            <a:off x="5781645" y="3352532"/>
+            <a:ext cx="782270" cy="782270"/>
+          </a:xfrm>
+          <a:prstGeom prst="rect">
+            <a:avLst/>
+          </a:prstGeom>
+        </p:spPr>
+      </p:pic>
+      <p:pic>
+        <p:nvPicPr>
+          <p:cNvPr id="9" name="Imagen 8"/>
+          <p:cNvPicPr>
+            <a:picLocks noChangeAspect="1"/>
+          </p:cNvPicPr>
+          <p:nvPr/>
+        </p:nvPicPr>
+        <p:blipFill>
+          <a:blip r:embed="rId3">
+            <a:extLst>
+              <a:ext uri="{28A0092B-C50C-407E-A947-70E740481C1C}">
+                <a14:useLocalDpi xmlns:a14="http://schemas.microsoft.com/office/drawing/2010/main" val="0"/>
+              </a:ext>
+            </a:extLst>
+          </a:blip>
+          <a:stretch>
+            <a:fillRect/>
+          </a:stretch>
+        </p:blipFill>
+        <p:spPr>
+          <a:xfrm>
+            <a:off x="5781645" y="4696753"/>
+            <a:ext cx="782270" cy="782270"/>
+          </a:xfrm>
+          <a:prstGeom prst="rect">
+            <a:avLst/>
+          </a:prstGeom>
+        </p:spPr>
+      </p:pic>
+      <p:pic>
+        <p:nvPicPr>
+          <p:cNvPr id="5" name="Imagen 4"/>
+          <p:cNvPicPr>
+            <a:picLocks noChangeAspect="1"/>
+          </p:cNvPicPr>
+          <p:nvPr/>
+        </p:nvPicPr>
+        <p:blipFill>
+          <a:blip r:embed="rId4">
+            <a:extLst>
+              <a:ext uri="{28A0092B-C50C-407E-A947-70E740481C1C}">
+                <a14:useLocalDpi xmlns:a14="http://schemas.microsoft.com/office/drawing/2010/main" val="0"/>
+              </a:ext>
+            </a:extLst>
+          </a:blip>
+          <a:stretch>
+            <a:fillRect/>
+          </a:stretch>
+        </p:blipFill>
+        <p:spPr>
+          <a:xfrm>
+            <a:off x="10494158" y="314669"/>
+            <a:ext cx="1378975" cy="1378975"/>
+          </a:xfrm>
+          <a:prstGeom prst="rect">
+            <a:avLst/>
+          </a:prstGeom>
+        </p:spPr>
+      </p:pic>
+      <p:sp>
+        <p:nvSpPr>
+          <p:cNvPr id="6" name="CuadroTexto 5"/>
+          <p:cNvSpPr txBox="1"/>
+          <p:nvPr/>
+        </p:nvSpPr>
+        <p:spPr>
+          <a:xfrm>
+            <a:off x="7311593" y="680990"/>
+            <a:ext cx="2223109" cy="646331"/>
+          </a:xfrm>
+          <a:prstGeom prst="rect">
+            <a:avLst/>
+          </a:prstGeom>
+          <a:noFill/>
+        </p:spPr>
+        <p:txBody>
+          <a:bodyPr wrap="none" rtlCol="0">
+            <a:spAutoFit/>
+          </a:bodyPr>
+          <a:lstStyle/>
+          <a:p>
+            <a:pPr algn="ctr"/>
+            <a:r>
+              <a:rPr lang="es-AR" b="1" dirty="0" smtClean="0"/>
+              <a:t>MÉTRICAS</a:t>
+            </a:r>
+          </a:p>
+          <a:p>
+            <a:pPr algn="ctr"/>
+            <a:r>
+              <a:rPr lang="es-AR" i="1" dirty="0" smtClean="0"/>
+              <a:t>Mean Average Precision</a:t>
+            </a:r>
+            <a:endParaRPr lang="es-AR" i="1" dirty="0"/>
+          </a:p>
+        </p:txBody>
+      </p:sp>
+      <p:sp>
+        <p:nvSpPr>
+          <p:cNvPr id="7" name="CuadroTexto 6"/>
+          <p:cNvSpPr txBox="1"/>
+          <p:nvPr/>
+        </p:nvSpPr>
+        <p:spPr>
+          <a:xfrm>
+            <a:off x="6816247" y="4857055"/>
+            <a:ext cx="3351880" cy="461665"/>
+          </a:xfrm>
+          <a:prstGeom prst="rect">
+            <a:avLst/>
+          </a:prstGeom>
+          <a:noFill/>
+        </p:spPr>
+        <p:txBody>
+          <a:bodyPr wrap="none" rtlCol="0">
+            <a:spAutoFit/>
+          </a:bodyPr>
+          <a:lstStyle/>
+          <a:p>
+            <a:r>
+              <a:rPr lang="es-AR" sz="2400" dirty="0" smtClean="0"/>
+              <a:t>LigthFM Model:  </a:t>
+            </a:r>
+            <a:r>
+              <a:rPr lang="en-US" sz="2400" b="1" dirty="0" smtClean="0">
+                <a:solidFill>
+                  <a:srgbClr val="00B050"/>
+                </a:solidFill>
+              </a:rPr>
+              <a:t>0.14266</a:t>
+            </a:r>
+            <a:endParaRPr lang="es-AR" sz="2400" b="1" dirty="0">
+              <a:solidFill>
+                <a:srgbClr val="00B050"/>
+              </a:solidFill>
+            </a:endParaRPr>
+          </a:p>
+        </p:txBody>
+      </p:sp>
+      <p:sp>
+        <p:nvSpPr>
+          <p:cNvPr id="13" name="CuadroTexto 12"/>
+          <p:cNvSpPr txBox="1"/>
+          <p:nvPr/>
+        </p:nvSpPr>
+        <p:spPr>
+          <a:xfrm>
+            <a:off x="6816247" y="3518737"/>
+            <a:ext cx="3044103" cy="461665"/>
+          </a:xfrm>
+          <a:prstGeom prst="rect">
+            <a:avLst/>
+          </a:prstGeom>
+          <a:noFill/>
+        </p:spPr>
+        <p:txBody>
+          <a:bodyPr wrap="none" rtlCol="0">
+            <a:spAutoFit/>
+          </a:bodyPr>
+          <a:lstStyle/>
+          <a:p>
+            <a:r>
+              <a:rPr lang="es-AR" sz="2400" dirty="0" smtClean="0"/>
+              <a:t>KNN Model:  </a:t>
+            </a:r>
+            <a:r>
+              <a:rPr lang="en-US" sz="2400" b="1" dirty="0" smtClean="0">
+                <a:solidFill>
+                  <a:srgbClr val="C00000"/>
+                </a:solidFill>
+              </a:rPr>
+              <a:t>0.00457</a:t>
+            </a:r>
+            <a:endParaRPr lang="es-AR" sz="2400" b="1" dirty="0">
+              <a:solidFill>
+                <a:srgbClr val="C00000"/>
+              </a:solidFill>
+            </a:endParaRPr>
+          </a:p>
+        </p:txBody>
+      </p:sp>
+      <p:sp>
+        <p:nvSpPr>
+          <p:cNvPr id="14" name="CuadroTexto 13"/>
+          <p:cNvSpPr txBox="1"/>
+          <p:nvPr/>
+        </p:nvSpPr>
+        <p:spPr>
+          <a:xfrm>
+            <a:off x="6726479" y="2168613"/>
+            <a:ext cx="3531416" cy="461665"/>
+          </a:xfrm>
+          <a:prstGeom prst="rect">
+            <a:avLst/>
+          </a:prstGeom>
+          <a:noFill/>
+        </p:spPr>
+        <p:txBody>
+          <a:bodyPr wrap="none" rtlCol="0">
+            <a:spAutoFit/>
+          </a:bodyPr>
+          <a:lstStyle/>
+          <a:p>
+            <a:r>
+              <a:rPr lang="es-AR" sz="2400" dirty="0" smtClean="0"/>
+              <a:t>Python Function:  </a:t>
+            </a:r>
+            <a:r>
+              <a:rPr lang="en-US" sz="2400" b="1" dirty="0" smtClean="0">
+                <a:solidFill>
+                  <a:srgbClr val="C00000"/>
+                </a:solidFill>
+              </a:rPr>
+              <a:t>0.03552</a:t>
+            </a:r>
+            <a:endParaRPr lang="es-AR" sz="2400" b="1" dirty="0">
+              <a:solidFill>
+                <a:srgbClr val="C00000"/>
+              </a:solidFill>
+            </a:endParaRPr>
+          </a:p>
+        </p:txBody>
+      </p:sp>
+      <p:sp>
+        <p:nvSpPr>
+          <p:cNvPr id="3" name="CuadroTexto 2"/>
+          <p:cNvSpPr txBox="1"/>
+          <p:nvPr/>
+        </p:nvSpPr>
+        <p:spPr>
+          <a:xfrm>
+            <a:off x="5712020" y="6355676"/>
+            <a:ext cx="5422254" cy="369332"/>
+          </a:xfrm>
+          <a:prstGeom prst="rect">
+            <a:avLst/>
+          </a:prstGeom>
+          <a:noFill/>
+        </p:spPr>
+        <p:txBody>
+          <a:bodyPr wrap="none" rtlCol="0">
+            <a:spAutoFit/>
+          </a:bodyPr>
+          <a:lstStyle/>
+          <a:p>
+            <a:r>
+              <a:rPr lang="es-AR" dirty="0" smtClean="0"/>
+              <a:t>Repositorio: </a:t>
+            </a:r>
+            <a:r>
+              <a:rPr lang="es-AR" sz="1600" i="1" dirty="0" smtClean="0"/>
+              <a:t>https</a:t>
+            </a:r>
+            <a:r>
+              <a:rPr lang="es-AR" sz="1600" i="1" dirty="0"/>
+              <a:t>://github.com/matiob/recommendationSistem.git</a:t>
+            </a:r>
+          </a:p>
+        </p:txBody>
+      </p:sp>
+    </p:spTree>
+    <p:extLst>
+      <p:ext uri="{BB962C8B-B14F-4D97-AF65-F5344CB8AC3E}">
+        <p14:creationId xmlns:p14="http://schemas.microsoft.com/office/powerpoint/2010/main" val="4229657161"/>
+      </p:ext>
+    </p:extLst>
+  </p:cSld>
+  <p:clrMapOvr>
+    <a:masterClrMapping/>
+  </p:clrMapOvr>
+  <p:timing>
+    <p:tnLst>
+      <p:par>
+        <p:cTn id="1" dur="indefinite" restart="never" nodeType="tmRoot"/>
+      </p:par>
+    </p:tnLst>
+  </p:timing>
+</p:sld>
+</file>
+
+<file path=ppt/slides/slide11.xml><?xml version="1.0" encoding="utf-8"?>
+<p:sld xmlns:a="http://schemas.openxmlformats.org/drawingml/2006/main" xmlns:r="http://schemas.openxmlformats.org/officeDocument/2006/relationships" xmlns:p="http://schemas.openxmlformats.org/presentationml/2006/main">
+  <p:cSld>
+    <p:bg>
+      <p:bgPr>
+        <a:solidFill>
+          <a:schemeClr val="bg1"/>
+        </a:solidFill>
+        <a:effectLst/>
+      </p:bgPr>
+    </p:bg>
+    <p:spTree>
+      <p:nvGrpSpPr>
+        <p:cNvPr id="1" name=""/>
+        <p:cNvGrpSpPr/>
+        <p:nvPr/>
+      </p:nvGrpSpPr>
+      <p:grpSpPr>
+        <a:xfrm>
+          <a:off x="0" y="0"/>
+          <a:ext cx="0" cy="0"/>
+          <a:chOff x="0" y="0"/>
+          <a:chExt cx="0" cy="0"/>
+        </a:xfrm>
+      </p:grpSpPr>
+      <p:sp useBgFill="1">
+        <p:nvSpPr>
+          <p:cNvPr id="18" name="Rectángulo 17">
+            <a:extLst>
+              <a:ext uri="{FF2B5EF4-FFF2-40B4-BE49-F238E27FC236}">
+                <a16:creationId xmlns:a16="http://schemas.microsoft.com/office/drawing/2014/main" id="{0AF33C27-9C85-4B30-9AD7-879D48AFE4FF}"/>
+              </a:ext>
+              <a:ext uri="{C183D7F6-B498-43B3-948B-1728B52AA6E4}">
+                <adec:decorative xmlns="" xmlns:adec="http://schemas.microsoft.com/office/drawing/2017/decorative" val="1"/>
+              </a:ext>
+            </a:extLst>
+          </p:cNvPr>
+          <p:cNvSpPr>
+            <a:spLocks noGrp="1" noRot="1" noChangeAspect="1" noMove="1" noResize="1" noEditPoints="1" noAdjustHandles="1" noChangeArrowheads="1" noChangeShapeType="1" noTextEdit="1"/>
+          </p:cNvSpPr>
+          <p:nvPr>
+            <p:extLst>
+              <p:ext uri="{386F3935-93C4-4BCD-93E2-E3B085C9AB24}">
+                <p16:designElem xmlns:p16="http://schemas.microsoft.com/office/powerpoint/2015/main" val="1"/>
+              </p:ext>
+            </p:extLst>
+          </p:nvPr>
+        </p:nvSpPr>
+        <p:spPr>
+          <a:xfrm>
+            <a:off x="0" y="0"/>
+            <a:ext cx="12191999" cy="6858000"/>
+          </a:xfrm>
+          <a:prstGeom prst="rect">
+            <a:avLst/>
+          </a:prstGeom>
+          <a:ln>
+            <a:noFill/>
+          </a:ln>
+        </p:spPr>
+        <p:style>
+          <a:lnRef idx="2">
+            <a:schemeClr val="accent1">
+              <a:shade val="50000"/>
+            </a:schemeClr>
+          </a:lnRef>
+          <a:fillRef idx="1">
+            <a:schemeClr val="accent1"/>
+          </a:fillRef>
+          <a:effectRef idx="0">
+            <a:schemeClr val="accent1"/>
+          </a:effectRef>
+          <a:fontRef idx="minor">
+            <a:schemeClr val="lt1"/>
+          </a:fontRef>
+        </p:style>
+        <p:txBody>
+          <a:bodyPr rtlCol="0" anchor="ctr"/>
+          <a:lstStyle/>
+          <a:p>
+            <a:pPr algn="ctr" rtl="0"/>
+            <a:endParaRPr lang="es-ES" dirty="0"/>
+          </a:p>
+        </p:txBody>
+      </p:sp>
+      <p:sp>
+        <p:nvSpPr>
+          <p:cNvPr id="20" name="Rectángulo 19">
+            <a:extLst>
+              <a:ext uri="{FF2B5EF4-FFF2-40B4-BE49-F238E27FC236}">
+                <a16:creationId xmlns:a16="http://schemas.microsoft.com/office/drawing/2014/main" id="{6D5089DD-882D-4413-B8BF-4798BFD84A98}"/>
+              </a:ext>
+              <a:ext uri="{C183D7F6-B498-43B3-948B-1728B52AA6E4}">
+                <adec:decorative xmlns="" xmlns:adec="http://schemas.microsoft.com/office/drawing/2017/decorative" val="1"/>
+              </a:ext>
+            </a:extLst>
+          </p:cNvPr>
+          <p:cNvSpPr>
+            <a:spLocks noGrp="1" noRot="1" noChangeAspect="1" noMove="1" noResize="1" noEditPoints="1" noAdjustHandles="1" noChangeArrowheads="1" noChangeShapeType="1" noTextEdit="1"/>
+          </p:cNvSpPr>
+          <p:nvPr>
+            <p:extLst>
+              <p:ext uri="{386F3935-93C4-4BCD-93E2-E3B085C9AB24}">
+                <p16:designElem xmlns:p16="http://schemas.microsoft.com/office/powerpoint/2015/main" val="1"/>
+              </p:ext>
+            </p:extLst>
+          </p:nvPr>
+        </p:nvSpPr>
+        <p:spPr>
+          <a:xfrm>
+            <a:off x="7537704" y="0"/>
+            <a:ext cx="4654296" cy="6858000"/>
+          </a:xfrm>
+          <a:prstGeom prst="rect">
+            <a:avLst/>
+          </a:prstGeom>
+          <a:solidFill>
+            <a:schemeClr val="tx1">
+              <a:lumMod val="95000"/>
+              <a:lumOff val="5000"/>
+            </a:schemeClr>
+          </a:solidFill>
+          <a:ln>
+            <a:noFill/>
+          </a:ln>
+        </p:spPr>
+        <p:style>
+          <a:lnRef idx="2">
+            <a:schemeClr val="accent1">
+              <a:shade val="50000"/>
+            </a:schemeClr>
+          </a:lnRef>
+          <a:fillRef idx="1">
+            <a:schemeClr val="accent1"/>
+          </a:fillRef>
+          <a:effectRef idx="0">
+            <a:schemeClr val="accent1"/>
+          </a:effectRef>
+          <a:fontRef idx="minor">
+            <a:schemeClr val="lt1"/>
+          </a:fontRef>
+        </p:style>
+        <p:txBody>
+          <a:bodyPr rtlCol="0" anchor="ctr"/>
+          <a:lstStyle/>
+          <a:p>
+            <a:pPr algn="ctr" rtl="0"/>
+            <a:endParaRPr lang="es-ES" dirty="0"/>
+          </a:p>
+        </p:txBody>
+      </p:sp>
+      <p:sp>
+        <p:nvSpPr>
+          <p:cNvPr id="2" name="Título 1">
+            <a:extLst>
+              <a:ext uri="{FF2B5EF4-FFF2-40B4-BE49-F238E27FC236}">
+                <a16:creationId xmlns:a16="http://schemas.microsoft.com/office/drawing/2014/main" id="{8EB78894-19E5-4916-B37E-B4A80B9B8D52}"/>
+              </a:ext>
+            </a:extLst>
+          </p:cNvPr>
+          <p:cNvSpPr>
+            <a:spLocks noGrp="1"/>
+          </p:cNvSpPr>
+          <p:nvPr>
+            <p:ph type="title"/>
+          </p:nvPr>
+        </p:nvSpPr>
+        <p:spPr>
+          <a:xfrm>
+            <a:off x="8181171" y="2681103"/>
+            <a:ext cx="3363974" cy="1495794"/>
+          </a:xfrm>
+          <a:noFill/>
+          <a:ln>
+            <a:solidFill>
+              <a:srgbClr val="FFFFFF"/>
+            </a:solidFill>
+          </a:ln>
+          <a:effectLst>
+            <a:glow rad="152400">
+              <a:schemeClr val="bg1">
+                <a:alpha val="13000"/>
+              </a:schemeClr>
+            </a:glow>
+          </a:effectLst>
+        </p:spPr>
+        <p:txBody>
+          <a:bodyPr wrap="square" rtlCol="0">
+            <a:normAutofit/>
+          </a:bodyPr>
+          <a:lstStyle/>
+          <a:p>
+            <a:pPr rtl="0"/>
+            <a:r>
+              <a:rPr lang="es-ES" dirty="0" smtClean="0">
+                <a:solidFill>
+                  <a:srgbClr val="FFFFFF"/>
+                </a:solidFill>
+              </a:rPr>
+              <a:t>COMENTARIOS FINALES</a:t>
+            </a:r>
+            <a:endParaRPr lang="es-ES" dirty="0">
+              <a:solidFill>
+                <a:srgbClr val="FFFFFF"/>
+              </a:solidFill>
+            </a:endParaRPr>
+          </a:p>
+        </p:txBody>
+      </p:sp>
+      <p:sp>
+        <p:nvSpPr>
+          <p:cNvPr id="14" name="CuadroTexto 13"/>
+          <p:cNvSpPr txBox="1"/>
+          <p:nvPr/>
+        </p:nvSpPr>
+        <p:spPr>
+          <a:xfrm>
+            <a:off x="1275804" y="1382286"/>
+            <a:ext cx="4728754" cy="4093428"/>
+          </a:xfrm>
+          <a:prstGeom prst="rect">
+            <a:avLst/>
+          </a:prstGeom>
+          <a:noFill/>
+        </p:spPr>
+        <p:txBody>
+          <a:bodyPr wrap="square" rtlCol="0">
+            <a:spAutoFit/>
+          </a:bodyPr>
+          <a:lstStyle/>
+          <a:p>
+            <a:pPr marL="342900" indent="-342900" algn="ctr">
+              <a:buFont typeface="Wingdings" panose="05000000000000000000" pitchFamily="2" charset="2"/>
+              <a:buChar char="v"/>
+            </a:pPr>
+            <a:r>
+              <a:rPr lang="es-AR" sz="2000" dirty="0" smtClean="0"/>
+              <a:t> </a:t>
+            </a:r>
+          </a:p>
+          <a:p>
+            <a:pPr algn="ctr"/>
+            <a:endParaRPr lang="es-AR" sz="2000" dirty="0" smtClean="0"/>
+          </a:p>
+          <a:p>
+            <a:pPr algn="ctr"/>
+            <a:r>
+              <a:rPr lang="es-AR" sz="2000" dirty="0" smtClean="0"/>
+              <a:t>Trabajar con sistemas de recomendación fue un desafío que puso en jaque nuestros conocimientos aprendidos en la diplomatura.</a:t>
+            </a:r>
+            <a:br>
+              <a:rPr lang="es-AR" sz="2000" dirty="0" smtClean="0"/>
+            </a:br>
+            <a:r>
+              <a:rPr lang="es-AR" sz="2000" dirty="0" smtClean="0"/>
+              <a:t>Sin embargo nos sirvió para poder ver las diferentes lógicas para abordar un mismo problema (recomendar películas) y poner en juego soluciones y razonamientos novedosos.</a:t>
+            </a:r>
+          </a:p>
+          <a:p>
+            <a:pPr marL="342900" indent="-342900" algn="ctr">
+              <a:buFont typeface="Wingdings" panose="05000000000000000000" pitchFamily="2" charset="2"/>
+              <a:buChar char="v"/>
+            </a:pPr>
+            <a:endParaRPr lang="es-AR" sz="2000" dirty="0"/>
+          </a:p>
+          <a:p>
+            <a:pPr marL="342900" indent="-342900" algn="ctr">
+              <a:buFont typeface="Wingdings" panose="05000000000000000000" pitchFamily="2" charset="2"/>
+              <a:buChar char="v"/>
+            </a:pPr>
+            <a:r>
+              <a:rPr lang="es-AR" sz="2000" dirty="0" smtClean="0"/>
+              <a:t> </a:t>
+            </a:r>
+            <a:endParaRPr lang="es-AR" sz="2000" dirty="0"/>
+          </a:p>
+        </p:txBody>
+      </p:sp>
+    </p:spTree>
+    <p:extLst>
+      <p:ext uri="{BB962C8B-B14F-4D97-AF65-F5344CB8AC3E}">
+        <p14:creationId xmlns:p14="http://schemas.microsoft.com/office/powerpoint/2010/main" val="2907695052"/>
+      </p:ext>
+    </p:extLst>
+  </p:cSld>
+  <p:clrMapOvr>
+    <a:masterClrMapping/>
+  </p:clrMapOvr>
+  <p:timing>
+    <p:tnLst>
+      <p:par>
+        <p:cTn id="1" dur="indefinite" restart="never" nodeType="tmRoot"/>
+      </p:par>
+    </p:tnLst>
+  </p:timing>
+</p:sld>
+</file>
+
+<file path=ppt/slides/slide12.xml><?xml version="1.0" encoding="utf-8"?>
+<p:sld xmlns:a="http://schemas.openxmlformats.org/drawingml/2006/main" xmlns:r="http://schemas.openxmlformats.org/officeDocument/2006/relationships" xmlns:p="http://schemas.openxmlformats.org/presentationml/2006/main">
+  <p:cSld>
+    <p:bg>
+      <p:bgPr>
+        <a:solidFill>
+          <a:schemeClr val="tx1">
+            <a:lumMod val="95000"/>
+            <a:lumOff val="5000"/>
+          </a:schemeClr>
+        </a:solidFill>
+        <a:effectLst/>
+      </p:bgPr>
+    </p:bg>
+    <p:spTree>
+      <p:nvGrpSpPr>
+        <p:cNvPr id="1" name=""/>
+        <p:cNvGrpSpPr/>
+        <p:nvPr/>
+      </p:nvGrpSpPr>
+      <p:grpSpPr>
+        <a:xfrm>
+          <a:off x="0" y="0"/>
+          <a:ext cx="0" cy="0"/>
+          <a:chOff x="0" y="0"/>
+          <a:chExt cx="0" cy="0"/>
+        </a:xfrm>
+      </p:grpSpPr>
+      <p:sp>
+        <p:nvSpPr>
+          <p:cNvPr id="2" name="Título 1">
+            <a:extLst>
+              <a:ext uri="{FF2B5EF4-FFF2-40B4-BE49-F238E27FC236}">
+                <a16:creationId xmlns:a16="http://schemas.microsoft.com/office/drawing/2014/main" id="{51F70220-677A-411B-B416-94321A555329}"/>
+              </a:ext>
+            </a:extLst>
+          </p:cNvPr>
+          <p:cNvSpPr>
+            <a:spLocks noGrp="1"/>
+          </p:cNvSpPr>
+          <p:nvPr>
+            <p:ph type="title"/>
+          </p:nvPr>
+        </p:nvSpPr>
+        <p:spPr>
+          <a:xfrm>
+            <a:off x="6286768" y="2841509"/>
+            <a:ext cx="4451773" cy="1174991"/>
+          </a:xfrm>
+          <a:noFill/>
+          <a:ln w="31750" cap="sq">
+            <a:solidFill>
+              <a:schemeClr val="bg1"/>
+            </a:solidFill>
+            <a:miter lim="800000"/>
+          </a:ln>
+          <a:effectLst>
+            <a:glow rad="152400">
+              <a:schemeClr val="bg1">
+                <a:alpha val="13000"/>
+              </a:schemeClr>
+            </a:glow>
+          </a:effectLst>
+        </p:spPr>
+        <p:txBody>
+          <a:bodyPr vert="horz" wrap="square" lIns="182880" tIns="182880" rIns="182880" bIns="182880" rtlCol="0" anchor="ctr">
+            <a:normAutofit/>
+          </a:bodyPr>
+          <a:lstStyle/>
+          <a:p>
+            <a:pPr rtl="0"/>
+            <a:r>
+              <a:rPr lang="es-ES" dirty="0">
+                <a:solidFill>
+                  <a:schemeClr val="bg1"/>
+                </a:solidFill>
+              </a:rPr>
+              <a:t>Gracias</a:t>
+            </a:r>
+          </a:p>
+        </p:txBody>
+      </p:sp>
+      <p:pic>
+        <p:nvPicPr>
+          <p:cNvPr id="4" name="Imagen 3" descr="Mano con bolígrafo que apunta a números financieros">
+            <a:extLst>
+              <a:ext uri="{FF2B5EF4-FFF2-40B4-BE49-F238E27FC236}">
+                <a16:creationId xmlns:a16="http://schemas.microsoft.com/office/drawing/2014/main" id="{AB2E0BE0-B684-4228-A4DF-58C8CAFFDF47}"/>
+              </a:ext>
+            </a:extLst>
+          </p:cNvPr>
+          <p:cNvPicPr>
+            <a:picLocks noChangeAspect="1"/>
+          </p:cNvPicPr>
+          <p:nvPr/>
+        </p:nvPicPr>
+        <p:blipFill rotWithShape="1">
+          <a:blip r:embed="rId3" cstate="print">
+            <a:extLst>
+              <a:ext uri="{28A0092B-C50C-407E-A947-70E740481C1C}">
+                <a14:useLocalDpi xmlns:a14="http://schemas.microsoft.com/office/drawing/2010/main"/>
+              </a:ext>
+            </a:extLst>
+          </a:blip>
+          <a:srcRect b="-1"/>
+          <a:stretch/>
+        </p:blipFill>
+        <p:spPr>
+          <a:xfrm>
+            <a:off x="20" y="10"/>
+            <a:ext cx="4657325" cy="6857990"/>
+          </a:xfrm>
+          <a:prstGeom prst="rect">
+            <a:avLst/>
+          </a:prstGeom>
+        </p:spPr>
+      </p:pic>
+    </p:spTree>
+    <p:extLst>
+      <p:ext uri="{BB962C8B-B14F-4D97-AF65-F5344CB8AC3E}">
+        <p14:creationId xmlns:p14="http://schemas.microsoft.com/office/powerpoint/2010/main" val="2673849116"/>
+      </p:ext>
+    </p:extLst>
+  </p:cSld>
+  <p:clrMapOvr>
+    <a:masterClrMapping/>
+  </p:clrMapOvr>
+  <p:timing>
+    <p:tnLst>
+      <p:par>
+        <p:cTn id="1" dur="indefinite" restart="never" nodeType="tmRoot"/>
+      </p:par>
+    </p:tnLst>
+  </p:timing>
+</p:sld>
+</file>
+
+<file path=ppt/slides/slide2.xml><?xml version="1.0" encoding="utf-8"?>
+<p:sld xmlns:a="http://schemas.openxmlformats.org/drawingml/2006/main" xmlns:r="http://schemas.openxmlformats.org/officeDocument/2006/relationships" xmlns:p="http://schemas.openxmlformats.org/presentationml/2006/main">
+  <p:cSld>
+    <p:bg>
+      <p:bgPr>
+        <a:solidFill>
+          <a:schemeClr val="bg1"/>
+        </a:solidFill>
+        <a:effectLst/>
+      </p:bgPr>
+    </p:bg>
+    <p:spTree>
+      <p:nvGrpSpPr>
+        <p:cNvPr id="1" name=""/>
+        <p:cNvGrpSpPr/>
+        <p:nvPr/>
+      </p:nvGrpSpPr>
+      <p:grpSpPr>
+        <a:xfrm>
+          <a:off x="0" y="0"/>
+          <a:ext cx="0" cy="0"/>
+          <a:chOff x="0" y="0"/>
+          <a:chExt cx="0" cy="0"/>
+        </a:xfrm>
+      </p:grpSpPr>
+      <p:sp useBgFill="1">
+        <p:nvSpPr>
+          <p:cNvPr id="10" name="Rectángulo 9">
+            <a:extLst>
+              <a:ext uri="{FF2B5EF4-FFF2-40B4-BE49-F238E27FC236}">
+                <a16:creationId xmlns:a16="http://schemas.microsoft.com/office/drawing/2014/main" id="{93F0ADB5-A0B4-4B01-A8C4-FDC34CE22BD4}"/>
+              </a:ext>
+              <a:ext uri="{C183D7F6-B498-43B3-948B-1728B52AA6E4}">
+                <adec:decorative xmlns="" xmlns:adec="http://schemas.microsoft.com/office/drawing/2017/decorative" val="1"/>
+              </a:ext>
+            </a:extLst>
+          </p:cNvPr>
+          <p:cNvSpPr>
+            <a:spLocks noGrp="1" noRot="1" noChangeAspect="1" noMove="1" noResize="1" noEditPoints="1" noAdjustHandles="1" noChangeArrowheads="1" noChangeShapeType="1" noTextEdit="1"/>
+          </p:cNvSpPr>
+          <p:nvPr>
+            <p:extLst>
+              <p:ext uri="{386F3935-93C4-4BCD-93E2-E3B085C9AB24}">
+                <p16:designElem xmlns:p16="http://schemas.microsoft.com/office/powerpoint/2015/main" val="1"/>
+              </p:ext>
+            </p:extLst>
+          </p:nvPr>
+        </p:nvSpPr>
+        <p:spPr>
+          <a:xfrm>
+            <a:off x="0" y="0"/>
+            <a:ext cx="12191999" cy="6858000"/>
+          </a:xfrm>
+          <a:prstGeom prst="rect">
+            <a:avLst/>
+          </a:prstGeom>
+          <a:ln>
+            <a:noFill/>
+          </a:ln>
+        </p:spPr>
+        <p:style>
+          <a:lnRef idx="2">
+            <a:schemeClr val="accent1">
+              <a:shade val="50000"/>
+            </a:schemeClr>
+          </a:lnRef>
+          <a:fillRef idx="1">
+            <a:schemeClr val="accent1"/>
+          </a:fillRef>
+          <a:effectRef idx="0">
+            <a:schemeClr val="accent1"/>
+          </a:effectRef>
+          <a:fontRef idx="minor">
+            <a:schemeClr val="lt1"/>
+          </a:fontRef>
+        </p:style>
+        <p:txBody>
+          <a:bodyPr rtlCol="0" anchor="ctr"/>
+          <a:lstStyle/>
+          <a:p>
+            <a:pPr algn="ctr" rtl="0"/>
+            <a:endParaRPr lang="es-ES" dirty="0"/>
+          </a:p>
+        </p:txBody>
+      </p:sp>
+      <p:sp>
+        <p:nvSpPr>
           <p:cNvPr id="12" name="Rectángulo 11">
             <a:extLst>
               <a:ext uri="{FF2B5EF4-FFF2-40B4-BE49-F238E27FC236}">
                 <a16:creationId xmlns:a16="http://schemas.microsoft.com/office/drawing/2014/main" id="{AA6D0FDE-0241-4C21-A720-A69475358235}"/>
               </a:ext>
               <a:ext uri="{C183D7F6-B498-43B3-948B-1728B52AA6E4}">
-                <adec:decorative xmlns:adec="http://schemas.microsoft.com/office/drawing/2017/decorative" xmlns="" val="1"/>
+                <adec:decorative xmlns="" xmlns:adec="http://schemas.microsoft.com/office/drawing/2017/decorative" val="1"/>
               </a:ext>
             </a:extLst>
           </p:cNvPr>
@@ -12931,7 +14347,7 @@
                 <a16:creationId xmlns:a16="http://schemas.microsoft.com/office/drawing/2014/main" id="{0AF33C27-9C85-4B30-9AD7-879D48AFE4FF}"/>
               </a:ext>
               <a:ext uri="{C183D7F6-B498-43B3-948B-1728B52AA6E4}">
-                <adec:decorative xmlns:adec="http://schemas.microsoft.com/office/drawing/2017/decorative" xmlns="" val="1"/>
+                <adec:decorative xmlns="" xmlns:adec="http://schemas.microsoft.com/office/drawing/2017/decorative" val="1"/>
               </a:ext>
             </a:extLst>
           </p:cNvPr>
@@ -12991,7 +14407,7 @@
                 <a16:creationId xmlns:a16="http://schemas.microsoft.com/office/drawing/2014/main" id="{6D5089DD-882D-4413-B8BF-4798BFD84A98}"/>
               </a:ext>
               <a:ext uri="{C183D7F6-B498-43B3-948B-1728B52AA6E4}">
-                <adec:decorative xmlns:adec="http://schemas.microsoft.com/office/drawing/2017/decorative" xmlns="" val="1"/>
+                <adec:decorative xmlns="" xmlns:adec="http://schemas.microsoft.com/office/drawing/2017/decorative" val="1"/>
               </a:ext>
             </a:extLst>
           </p:cNvPr>
@@ -13405,7 +14821,7 @@
                 <a16:creationId xmlns:a16="http://schemas.microsoft.com/office/drawing/2014/main" id="{93F0ADB5-A0B4-4B01-A8C4-FDC34CE22BD4}"/>
               </a:ext>
               <a:ext uri="{C183D7F6-B498-43B3-948B-1728B52AA6E4}">
-                <adec:decorative xmlns:adec="http://schemas.microsoft.com/office/drawing/2017/decorative" xmlns="" val="1"/>
+                <adec:decorative xmlns="" xmlns:adec="http://schemas.microsoft.com/office/drawing/2017/decorative" val="1"/>
               </a:ext>
             </a:extLst>
           </p:cNvPr>
@@ -13465,7 +14881,7 @@
                 <a16:creationId xmlns:a16="http://schemas.microsoft.com/office/drawing/2014/main" id="{AA6D0FDE-0241-4C21-A720-A69475358235}"/>
               </a:ext>
               <a:ext uri="{C183D7F6-B498-43B3-948B-1728B52AA6E4}">
-                <adec:decorative xmlns:adec="http://schemas.microsoft.com/office/drawing/2017/decorative" xmlns="" val="1"/>
+                <adec:decorative xmlns="" xmlns:adec="http://schemas.microsoft.com/office/drawing/2017/decorative" val="1"/>
               </a:ext>
             </a:extLst>
           </p:cNvPr>
@@ -13664,7 +15080,7 @@
                 <a16:creationId xmlns:a16="http://schemas.microsoft.com/office/drawing/2014/main" id="{0AF33C27-9C85-4B30-9AD7-879D48AFE4FF}"/>
               </a:ext>
               <a:ext uri="{C183D7F6-B498-43B3-948B-1728B52AA6E4}">
-                <adec:decorative xmlns:adec="http://schemas.microsoft.com/office/drawing/2017/decorative" xmlns="" val="1"/>
+                <adec:decorative xmlns="" xmlns:adec="http://schemas.microsoft.com/office/drawing/2017/decorative" val="1"/>
               </a:ext>
             </a:extLst>
           </p:cNvPr>
@@ -13724,7 +15140,7 @@
                 <a16:creationId xmlns:a16="http://schemas.microsoft.com/office/drawing/2014/main" id="{6D5089DD-882D-4413-B8BF-4798BFD84A98}"/>
               </a:ext>
               <a:ext uri="{C183D7F6-B498-43B3-948B-1728B52AA6E4}">
-                <adec:decorative xmlns:adec="http://schemas.microsoft.com/office/drawing/2017/decorative" xmlns="" val="1"/>
+                <adec:decorative xmlns="" xmlns:adec="http://schemas.microsoft.com/office/drawing/2017/decorative" val="1"/>
               </a:ext>
             </a:extLst>
           </p:cNvPr>
@@ -14167,7 +15583,7 @@
 </file>
 
 <file path=ppt/slides/slide6.xml><?xml version="1.0" encoding="utf-8"?>
-<p:sld xmlns:a="http://schemas.openxmlformats.org/drawingml/2006/main" xmlns:r="http://schemas.openxmlformats.org/officeDocument/2006/relationships" xmlns:p="http://schemas.openxmlformats.org/presentationml/2006/main">
+<p:sld xmlns:a="http://schemas.openxmlformats.org/drawingml/2006/main" xmlns:r="http://schemas.openxmlformats.org/officeDocument/2006/relationships" xmlns:p="http://schemas.openxmlformats.org/presentationml/2006/main" show="0">
   <p:cSld>
     <p:bg>
       <p:bgPr>
@@ -14199,7 +15615,7 @@
                 <a16:creationId xmlns:a16="http://schemas.microsoft.com/office/drawing/2014/main" id="{93F0ADB5-A0B4-4B01-A8C4-FDC34CE22BD4}"/>
               </a:ext>
               <a:ext uri="{C183D7F6-B498-43B3-948B-1728B52AA6E4}">
-                <adec:decorative xmlns:adec="http://schemas.microsoft.com/office/drawing/2017/decorative" xmlns="" val="1"/>
+                <adec:decorative xmlns="" xmlns:adec="http://schemas.microsoft.com/office/drawing/2017/decorative" val="1"/>
               </a:ext>
             </a:extLst>
           </p:cNvPr>
@@ -14259,7 +15675,7 @@
                 <a16:creationId xmlns:a16="http://schemas.microsoft.com/office/drawing/2014/main" id="{AA6D0FDE-0241-4C21-A720-A69475358235}"/>
               </a:ext>
               <a:ext uri="{C183D7F6-B498-43B3-948B-1728B52AA6E4}">
-                <adec:decorative xmlns:adec="http://schemas.microsoft.com/office/drawing/2017/decorative" xmlns="" val="1"/>
+                <adec:decorative xmlns="" xmlns:adec="http://schemas.microsoft.com/office/drawing/2017/decorative" val="1"/>
               </a:ext>
             </a:extLst>
           </p:cNvPr>
@@ -14396,7 +15812,1579 @@
         </p:blipFill>
         <p:spPr>
           <a:xfrm>
-            <a:off x="5756165" y="2008311"/>
+            <a:off x="5756165" y="532207"/>
+            <a:ext cx="782270" cy="782270"/>
+          </a:xfrm>
+          <a:prstGeom prst="rect">
+            <a:avLst/>
+          </a:prstGeom>
+        </p:spPr>
+      </p:pic>
+      <p:sp>
+        <p:nvSpPr>
+          <p:cNvPr id="14" name="CuadroTexto 13"/>
+          <p:cNvSpPr txBox="1"/>
+          <p:nvPr/>
+        </p:nvSpPr>
+        <p:spPr>
+          <a:xfrm>
+            <a:off x="6726479" y="692509"/>
+            <a:ext cx="1056700" cy="461665"/>
+          </a:xfrm>
+          <a:prstGeom prst="rect">
+            <a:avLst/>
+          </a:prstGeom>
+          <a:noFill/>
+        </p:spPr>
+        <p:txBody>
+          <a:bodyPr wrap="none" rtlCol="0">
+            <a:spAutoFit/>
+          </a:bodyPr>
+          <a:lstStyle/>
+          <a:p>
+            <a:r>
+              <a:rPr lang="es-AR" sz="2400" dirty="0" smtClean="0"/>
+              <a:t>Python</a:t>
+            </a:r>
+            <a:endParaRPr lang="es-AR" sz="2400" b="1" dirty="0">
+              <a:solidFill>
+                <a:srgbClr val="C00000"/>
+              </a:solidFill>
+            </a:endParaRPr>
+          </a:p>
+        </p:txBody>
+      </p:sp>
+      <p:sp>
+        <p:nvSpPr>
+          <p:cNvPr id="3" name="CuadroTexto 2"/>
+          <p:cNvSpPr txBox="1"/>
+          <p:nvPr/>
+        </p:nvSpPr>
+        <p:spPr>
+          <a:xfrm>
+            <a:off x="5756165" y="1649136"/>
+            <a:ext cx="5033556" cy="4385816"/>
+          </a:xfrm>
+          <a:prstGeom prst="rect">
+            <a:avLst/>
+          </a:prstGeom>
+          <a:noFill/>
+          <a:ln w="28575">
+            <a:solidFill>
+              <a:srgbClr val="002060"/>
+            </a:solidFill>
+          </a:ln>
+        </p:spPr>
+        <p:txBody>
+          <a:bodyPr wrap="square" rtlCol="0">
+            <a:spAutoFit/>
+          </a:bodyPr>
+          <a:lstStyle/>
+          <a:p>
+            <a:r>
+              <a:rPr lang="en-US" dirty="0"/>
+              <a:t>Because you </a:t>
+            </a:r>
+            <a:r>
+              <a:rPr lang="en-US" dirty="0" smtClean="0"/>
+              <a:t>watched </a:t>
+            </a:r>
+            <a:r>
+              <a:rPr lang="en-US" b="1" dirty="0" smtClean="0"/>
+              <a:t>Star Wars </a:t>
+            </a:r>
+            <a:r>
+              <a:rPr lang="en-US" dirty="0" smtClean="0"/>
+              <a:t>(</a:t>
+            </a:r>
+            <a:r>
+              <a:rPr lang="en-US" dirty="0"/>
+              <a:t>1977): </a:t>
+            </a:r>
+            <a:endParaRPr lang="en-US" dirty="0" smtClean="0"/>
+          </a:p>
+          <a:p>
+            <a:endParaRPr lang="en-US" dirty="0"/>
+          </a:p>
+          <a:p>
+            <a:pPr marL="285750" indent="-285750">
+              <a:lnSpc>
+                <a:spcPct val="150000"/>
+              </a:lnSpc>
+              <a:buFont typeface="Arial" panose="020B0604020202020204" pitchFamily="34" charset="0"/>
+              <a:buChar char="•"/>
+            </a:pPr>
+            <a:r>
+              <a:rPr lang="en-US" dirty="0" smtClean="0"/>
+              <a:t>181 </a:t>
+            </a:r>
+            <a:r>
+              <a:rPr lang="en-US" dirty="0"/>
+              <a:t>Return of the Jedi (</a:t>
+            </a:r>
+            <a:r>
+              <a:rPr lang="en-US" dirty="0" smtClean="0"/>
+              <a:t>1983</a:t>
+            </a:r>
+            <a:r>
+              <a:rPr lang="en-US" dirty="0"/>
+              <a:t>) </a:t>
+            </a:r>
+            <a:endParaRPr lang="en-US" dirty="0" smtClean="0"/>
+          </a:p>
+          <a:p>
+            <a:pPr marL="285750" indent="-285750">
+              <a:lnSpc>
+                <a:spcPct val="150000"/>
+              </a:lnSpc>
+              <a:buFont typeface="Arial" panose="020B0604020202020204" pitchFamily="34" charset="0"/>
+              <a:buChar char="•"/>
+            </a:pPr>
+            <a:r>
+              <a:rPr lang="en-US" dirty="0" smtClean="0"/>
+              <a:t>174 </a:t>
+            </a:r>
+            <a:r>
+              <a:rPr lang="en-US" dirty="0"/>
+              <a:t>Raiders of the Lost Ark (1981) </a:t>
+            </a:r>
+            <a:endParaRPr lang="en-US" dirty="0" smtClean="0"/>
+          </a:p>
+          <a:p>
+            <a:pPr marL="285750" indent="-285750">
+              <a:lnSpc>
+                <a:spcPct val="150000"/>
+              </a:lnSpc>
+              <a:buFont typeface="Arial" panose="020B0604020202020204" pitchFamily="34" charset="0"/>
+              <a:buChar char="•"/>
+            </a:pPr>
+            <a:r>
+              <a:rPr lang="en-US" dirty="0" smtClean="0"/>
+              <a:t>172 </a:t>
+            </a:r>
+            <a:r>
+              <a:rPr lang="en-US" dirty="0"/>
+              <a:t>Empire Strikes Back, The (1980) </a:t>
+            </a:r>
+            <a:endParaRPr lang="en-US" dirty="0" smtClean="0"/>
+          </a:p>
+          <a:p>
+            <a:pPr marL="285750" indent="-285750">
+              <a:lnSpc>
+                <a:spcPct val="150000"/>
+              </a:lnSpc>
+              <a:buFont typeface="Arial" panose="020B0604020202020204" pitchFamily="34" charset="0"/>
+              <a:buChar char="•"/>
+            </a:pPr>
+            <a:r>
+              <a:rPr lang="en-US" dirty="0" smtClean="0"/>
+              <a:t>210 </a:t>
+            </a:r>
+            <a:r>
+              <a:rPr lang="en-US" dirty="0"/>
+              <a:t>Indiana Jones and the Last Crusade (1989) </a:t>
+            </a:r>
+            <a:endParaRPr lang="en-US" dirty="0" smtClean="0"/>
+          </a:p>
+          <a:p>
+            <a:pPr marL="285750" indent="-285750">
+              <a:lnSpc>
+                <a:spcPct val="150000"/>
+              </a:lnSpc>
+              <a:buFont typeface="Arial" panose="020B0604020202020204" pitchFamily="34" charset="0"/>
+              <a:buChar char="•"/>
+            </a:pPr>
+            <a:r>
+              <a:rPr lang="en-US" dirty="0" smtClean="0"/>
+              <a:t>98 </a:t>
+            </a:r>
+            <a:r>
+              <a:rPr lang="en-US" dirty="0"/>
+              <a:t>Silence of the Lambs, The (1991) </a:t>
+            </a:r>
+            <a:endParaRPr lang="en-US" dirty="0" smtClean="0"/>
+          </a:p>
+          <a:p>
+            <a:pPr marL="285750" indent="-285750">
+              <a:lnSpc>
+                <a:spcPct val="150000"/>
+              </a:lnSpc>
+              <a:buFont typeface="Arial" panose="020B0604020202020204" pitchFamily="34" charset="0"/>
+              <a:buChar char="•"/>
+            </a:pPr>
+            <a:r>
+              <a:rPr lang="en-US" dirty="0" smtClean="0"/>
+              <a:t>1 </a:t>
+            </a:r>
+            <a:r>
+              <a:rPr lang="en-US" dirty="0"/>
+              <a:t>Toy Story (1995) </a:t>
+            </a:r>
+            <a:endParaRPr lang="en-US" dirty="0" smtClean="0"/>
+          </a:p>
+          <a:p>
+            <a:pPr marL="285750" indent="-285750">
+              <a:lnSpc>
+                <a:spcPct val="150000"/>
+              </a:lnSpc>
+              <a:buFont typeface="Arial" panose="020B0604020202020204" pitchFamily="34" charset="0"/>
+              <a:buChar char="•"/>
+            </a:pPr>
+            <a:r>
+              <a:rPr lang="en-US" dirty="0" smtClean="0"/>
+              <a:t>121 </a:t>
+            </a:r>
+            <a:r>
+              <a:rPr lang="en-US" dirty="0"/>
+              <a:t>Independence Day (ID4) (1996) </a:t>
+            </a:r>
+            <a:endParaRPr lang="en-US" dirty="0" smtClean="0"/>
+          </a:p>
+          <a:p>
+            <a:pPr marL="285750" indent="-285750">
+              <a:lnSpc>
+                <a:spcPct val="150000"/>
+              </a:lnSpc>
+              <a:buFont typeface="Arial" panose="020B0604020202020204" pitchFamily="34" charset="0"/>
+              <a:buChar char="•"/>
+            </a:pPr>
+            <a:r>
+              <a:rPr lang="en-US" dirty="0" smtClean="0"/>
+              <a:t>173 </a:t>
+            </a:r>
+            <a:r>
+              <a:rPr lang="en-US" dirty="0"/>
+              <a:t>Princess Bride, The (1987) </a:t>
+            </a:r>
+            <a:endParaRPr lang="en-US" dirty="0" smtClean="0"/>
+          </a:p>
+          <a:p>
+            <a:pPr marL="285750" indent="-285750">
+              <a:lnSpc>
+                <a:spcPct val="150000"/>
+              </a:lnSpc>
+              <a:buFont typeface="Arial" panose="020B0604020202020204" pitchFamily="34" charset="0"/>
+              <a:buChar char="•"/>
+            </a:pPr>
+            <a:r>
+              <a:rPr lang="en-US" dirty="0" smtClean="0"/>
+              <a:t>204 </a:t>
+            </a:r>
+            <a:r>
+              <a:rPr lang="en-US" dirty="0"/>
+              <a:t>Back to the Future (1985)</a:t>
+            </a:r>
+            <a:endParaRPr lang="es-AR" dirty="0"/>
+          </a:p>
+        </p:txBody>
+      </p:sp>
+    </p:spTree>
+    <p:extLst>
+      <p:ext uri="{BB962C8B-B14F-4D97-AF65-F5344CB8AC3E}">
+        <p14:creationId xmlns:p14="http://schemas.microsoft.com/office/powerpoint/2010/main" val="2216227826"/>
+      </p:ext>
+    </p:extLst>
+  </p:cSld>
+  <p:clrMapOvr>
+    <a:masterClrMapping/>
+  </p:clrMapOvr>
+  <mc:AlternateContent xmlns:mc="http://schemas.openxmlformats.org/markup-compatibility/2006">
+    <mc:Choice xmlns:p14="http://schemas.microsoft.com/office/powerpoint/2010/main" Requires="p14">
+      <p:transition spd="slow" p14:dur="2000"/>
+    </mc:Choice>
+    <mc:Fallback>
+      <p:transition spd="slow"/>
+    </mc:Fallback>
+  </mc:AlternateContent>
+  <p:timing>
+    <p:tnLst>
+      <p:par>
+        <p:cTn id="1" dur="indefinite" restart="never" nodeType="tmRoot"/>
+      </p:par>
+    </p:tnLst>
+  </p:timing>
+</p:sld>
+</file>
+
+<file path=ppt/slides/slide7.xml><?xml version="1.0" encoding="utf-8"?>
+<p:sld xmlns:a="http://schemas.openxmlformats.org/drawingml/2006/main" xmlns:r="http://schemas.openxmlformats.org/officeDocument/2006/relationships" xmlns:p="http://schemas.openxmlformats.org/presentationml/2006/main" show="0">
+  <p:cSld>
+    <p:bg>
+      <p:bgPr>
+        <a:solidFill>
+          <a:schemeClr val="bg1"/>
+        </a:solidFill>
+        <a:effectLst/>
+      </p:bgPr>
+    </p:bg>
+    <p:spTree>
+      <p:nvGrpSpPr>
+        <p:cNvPr id="1" name=""/>
+        <p:cNvGrpSpPr/>
+        <p:nvPr/>
+      </p:nvGrpSpPr>
+      <p:grpSpPr>
+        <a:xfrm>
+          <a:off x="0" y="0"/>
+          <a:ext cx="0" cy="0"/>
+          <a:chOff x="0" y="0"/>
+          <a:chExt cx="0" cy="0"/>
+        </a:xfrm>
+      </p:grpSpPr>
+      <p:sp useBgFill="1">
+        <p:nvSpPr>
+          <p:cNvPr id="18" name="Rectángulo 17">
+            <a:extLst>
+              <a:ext uri="{FF2B5EF4-FFF2-40B4-BE49-F238E27FC236}">
+                <a16:creationId xmlns:a16="http://schemas.microsoft.com/office/drawing/2014/main" id="{93F0ADB5-A0B4-4B01-A8C4-FDC34CE22BD4}"/>
+              </a:ext>
+              <a:ext uri="{C183D7F6-B498-43B3-948B-1728B52AA6E4}">
+                <adec:decorative xmlns="" xmlns:adec="http://schemas.microsoft.com/office/drawing/2017/decorative" val="1"/>
+              </a:ext>
+            </a:extLst>
+          </p:cNvPr>
+          <p:cNvSpPr>
+            <a:spLocks noGrp="1" noRot="1" noChangeAspect="1" noMove="1" noResize="1" noEditPoints="1" noAdjustHandles="1" noChangeArrowheads="1" noChangeShapeType="1" noTextEdit="1"/>
+          </p:cNvSpPr>
+          <p:nvPr>
+            <p:extLst>
+              <p:ext uri="{386F3935-93C4-4BCD-93E2-E3B085C9AB24}">
+                <p16:designElem xmlns:p16="http://schemas.microsoft.com/office/powerpoint/2015/main" val="1"/>
+              </p:ext>
+            </p:extLst>
+          </p:nvPr>
+        </p:nvSpPr>
+        <p:spPr>
+          <a:xfrm>
+            <a:off x="0" y="0"/>
+            <a:ext cx="12191999" cy="6858000"/>
+          </a:xfrm>
+          <a:prstGeom prst="rect">
+            <a:avLst/>
+          </a:prstGeom>
+          <a:ln>
+            <a:noFill/>
+          </a:ln>
+        </p:spPr>
+        <p:style>
+          <a:lnRef idx="2">
+            <a:schemeClr val="accent1">
+              <a:shade val="50000"/>
+            </a:schemeClr>
+          </a:lnRef>
+          <a:fillRef idx="1">
+            <a:schemeClr val="accent1"/>
+          </a:fillRef>
+          <a:effectRef idx="0">
+            <a:schemeClr val="accent1"/>
+          </a:effectRef>
+          <a:fontRef idx="minor">
+            <a:schemeClr val="lt1"/>
+          </a:fontRef>
+        </p:style>
+        <p:txBody>
+          <a:bodyPr rtlCol="0" anchor="ctr"/>
+          <a:lstStyle/>
+          <a:p>
+            <a:pPr algn="ctr" rtl="0"/>
+            <a:endParaRPr lang="es-ES" dirty="0"/>
+          </a:p>
+        </p:txBody>
+      </p:sp>
+      <p:sp>
+        <p:nvSpPr>
+          <p:cNvPr id="20" name="Rectángulo 19">
+            <a:extLst>
+              <a:ext uri="{FF2B5EF4-FFF2-40B4-BE49-F238E27FC236}">
+                <a16:creationId xmlns:a16="http://schemas.microsoft.com/office/drawing/2014/main" id="{AA6D0FDE-0241-4C21-A720-A69475358235}"/>
+              </a:ext>
+              <a:ext uri="{C183D7F6-B498-43B3-948B-1728B52AA6E4}">
+                <adec:decorative xmlns="" xmlns:adec="http://schemas.microsoft.com/office/drawing/2017/decorative" val="1"/>
+              </a:ext>
+            </a:extLst>
+          </p:cNvPr>
+          <p:cNvSpPr>
+            <a:spLocks noGrp="1" noRot="1" noChangeAspect="1" noMove="1" noResize="1" noEditPoints="1" noAdjustHandles="1" noChangeArrowheads="1" noChangeShapeType="1" noTextEdit="1"/>
+          </p:cNvSpPr>
+          <p:nvPr>
+            <p:extLst>
+              <p:ext uri="{386F3935-93C4-4BCD-93E2-E3B085C9AB24}">
+                <p16:designElem xmlns:p16="http://schemas.microsoft.com/office/powerpoint/2015/main" val="1"/>
+              </p:ext>
+            </p:extLst>
+          </p:nvPr>
+        </p:nvSpPr>
+        <p:spPr>
+          <a:xfrm>
+            <a:off x="0" y="0"/>
+            <a:ext cx="4654296" cy="6858000"/>
+          </a:xfrm>
+          <a:prstGeom prst="rect">
+            <a:avLst/>
+          </a:prstGeom>
+          <a:solidFill>
+            <a:schemeClr val="tx1">
+              <a:lumMod val="95000"/>
+              <a:lumOff val="5000"/>
+            </a:schemeClr>
+          </a:solidFill>
+          <a:ln>
+            <a:noFill/>
+          </a:ln>
+        </p:spPr>
+        <p:style>
+          <a:lnRef idx="0">
+            <a:scrgbClr r="0" g="0" b="0"/>
+          </a:lnRef>
+          <a:fillRef idx="0">
+            <a:scrgbClr r="0" g="0" b="0"/>
+          </a:fillRef>
+          <a:effectRef idx="0">
+            <a:scrgbClr r="0" g="0" b="0"/>
+          </a:effectRef>
+          <a:fontRef idx="minor">
+            <a:schemeClr val="lt1"/>
+          </a:fontRef>
+        </p:style>
+        <p:txBody>
+          <a:bodyPr rtlCol="0" anchor="ctr"/>
+          <a:lstStyle/>
+          <a:p>
+            <a:pPr algn="ctr" rtl="0"/>
+            <a:endParaRPr lang="es-ES" dirty="0"/>
+          </a:p>
+        </p:txBody>
+      </p:sp>
+      <p:sp>
+        <p:nvSpPr>
+          <p:cNvPr id="2" name="Título 1">
+            <a:extLst>
+              <a:ext uri="{FF2B5EF4-FFF2-40B4-BE49-F238E27FC236}">
+                <a16:creationId xmlns:a16="http://schemas.microsoft.com/office/drawing/2014/main" id="{15115107-5DA3-4397-A1DA-67705DAE1EC2}"/>
+              </a:ext>
+            </a:extLst>
+          </p:cNvPr>
+          <p:cNvSpPr>
+            <a:spLocks noGrp="1"/>
+          </p:cNvSpPr>
+          <p:nvPr>
+            <p:ph type="title"/>
+          </p:nvPr>
+        </p:nvSpPr>
+        <p:spPr>
+          <a:xfrm>
+            <a:off x="643467" y="2681103"/>
+            <a:ext cx="3363974" cy="1495794"/>
+          </a:xfrm>
+          <a:noFill/>
+          <a:ln w="31750" cap="sq">
+            <a:solidFill>
+              <a:srgbClr val="FFFFFF"/>
+            </a:solidFill>
+            <a:miter lim="800000"/>
+          </a:ln>
+          <a:effectLst>
+            <a:glow rad="152400">
+              <a:schemeClr val="bg1">
+                <a:alpha val="13000"/>
+              </a:schemeClr>
+            </a:glow>
+          </a:effectLst>
+        </p:spPr>
+        <p:txBody>
+          <a:bodyPr vert="horz" wrap="square" lIns="182880" tIns="182880" rIns="182880" bIns="182880" rtlCol="0" anchor="ctr">
+            <a:normAutofit/>
+          </a:bodyPr>
+          <a:lstStyle/>
+          <a:p>
+            <a:pPr rtl="0"/>
+            <a:r>
+              <a:rPr lang="es-ES" dirty="0" smtClean="0">
+                <a:solidFill>
+                  <a:srgbClr val="FFFFFF"/>
+                </a:solidFill>
+              </a:rPr>
+              <a:t>RESULTADOS</a:t>
+            </a:r>
+            <a:endParaRPr lang="es-ES" dirty="0">
+              <a:solidFill>
+                <a:srgbClr val="FFFFFF"/>
+              </a:solidFill>
+            </a:endParaRPr>
+          </a:p>
+        </p:txBody>
+      </p:sp>
+      <p:pic>
+        <p:nvPicPr>
+          <p:cNvPr id="4" name="Imagen 3"/>
+          <p:cNvPicPr>
+            <a:picLocks noChangeAspect="1"/>
+          </p:cNvPicPr>
+          <p:nvPr/>
+        </p:nvPicPr>
+        <p:blipFill>
+          <a:blip r:embed="rId3">
+            <a:extLst>
+              <a:ext uri="{28A0092B-C50C-407E-A947-70E740481C1C}">
+                <a14:useLocalDpi xmlns:a14="http://schemas.microsoft.com/office/drawing/2010/main" val="0"/>
+              </a:ext>
+            </a:extLst>
+          </a:blip>
+          <a:stretch>
+            <a:fillRect/>
+          </a:stretch>
+        </p:blipFill>
+        <p:spPr>
+          <a:xfrm>
+            <a:off x="5756165" y="532207"/>
+            <a:ext cx="782270" cy="782270"/>
+          </a:xfrm>
+          <a:prstGeom prst="rect">
+            <a:avLst/>
+          </a:prstGeom>
+        </p:spPr>
+      </p:pic>
+      <p:sp>
+        <p:nvSpPr>
+          <p:cNvPr id="14" name="CuadroTexto 13"/>
+          <p:cNvSpPr txBox="1"/>
+          <p:nvPr/>
+        </p:nvSpPr>
+        <p:spPr>
+          <a:xfrm>
+            <a:off x="6726479" y="692509"/>
+            <a:ext cx="867545" cy="461665"/>
+          </a:xfrm>
+          <a:prstGeom prst="rect">
+            <a:avLst/>
+          </a:prstGeom>
+          <a:noFill/>
+        </p:spPr>
+        <p:txBody>
+          <a:bodyPr wrap="none" rtlCol="0">
+            <a:spAutoFit/>
+          </a:bodyPr>
+          <a:lstStyle/>
+          <a:p>
+            <a:r>
+              <a:rPr lang="es-AR" sz="2400" dirty="0"/>
+              <a:t>KNN</a:t>
+            </a:r>
+            <a:endParaRPr lang="es-AR" sz="2400" b="1" dirty="0">
+              <a:solidFill>
+                <a:srgbClr val="C00000"/>
+              </a:solidFill>
+            </a:endParaRPr>
+          </a:p>
+        </p:txBody>
+      </p:sp>
+      <p:sp>
+        <p:nvSpPr>
+          <p:cNvPr id="7" name="CuadroTexto 6"/>
+          <p:cNvSpPr txBox="1"/>
+          <p:nvPr/>
+        </p:nvSpPr>
+        <p:spPr>
+          <a:xfrm>
+            <a:off x="5756165" y="1649136"/>
+            <a:ext cx="5033556" cy="4385816"/>
+          </a:xfrm>
+          <a:prstGeom prst="rect">
+            <a:avLst/>
+          </a:prstGeom>
+          <a:noFill/>
+          <a:ln w="28575">
+            <a:solidFill>
+              <a:srgbClr val="002060"/>
+            </a:solidFill>
+          </a:ln>
+        </p:spPr>
+        <p:txBody>
+          <a:bodyPr wrap="square" rtlCol="0">
+            <a:spAutoFit/>
+          </a:bodyPr>
+          <a:lstStyle/>
+          <a:p>
+            <a:r>
+              <a:rPr lang="en-US" dirty="0"/>
+              <a:t>Because you </a:t>
+            </a:r>
+            <a:r>
+              <a:rPr lang="en-US" dirty="0" smtClean="0"/>
+              <a:t>watched </a:t>
+            </a:r>
+            <a:r>
+              <a:rPr lang="en-US" b="1" dirty="0" smtClean="0"/>
+              <a:t>Star Wars </a:t>
+            </a:r>
+            <a:r>
+              <a:rPr lang="en-US" dirty="0" smtClean="0"/>
+              <a:t>(</a:t>
+            </a:r>
+            <a:r>
+              <a:rPr lang="en-US" dirty="0"/>
+              <a:t>1977): </a:t>
+            </a:r>
+            <a:endParaRPr lang="en-US" dirty="0" smtClean="0"/>
+          </a:p>
+          <a:p>
+            <a:endParaRPr lang="en-US" dirty="0"/>
+          </a:p>
+          <a:p>
+            <a:pPr marL="285750" indent="-285750">
+              <a:lnSpc>
+                <a:spcPct val="150000"/>
+              </a:lnSpc>
+              <a:buFont typeface="Arial" panose="020B0604020202020204" pitchFamily="34" charset="0"/>
+              <a:buChar char="•"/>
+            </a:pPr>
+            <a:r>
+              <a:rPr lang="en-US" dirty="0" smtClean="0"/>
+              <a:t>181 </a:t>
+            </a:r>
+            <a:r>
+              <a:rPr lang="en-US" dirty="0"/>
+              <a:t>Return of the Jedi (</a:t>
+            </a:r>
+            <a:r>
+              <a:rPr lang="en-US" dirty="0" smtClean="0"/>
+              <a:t>1983</a:t>
+            </a:r>
+            <a:r>
+              <a:rPr lang="en-US" dirty="0"/>
+              <a:t>) </a:t>
+            </a:r>
+            <a:endParaRPr lang="en-US" dirty="0" smtClean="0"/>
+          </a:p>
+          <a:p>
+            <a:pPr marL="285750" indent="-285750">
+              <a:lnSpc>
+                <a:spcPct val="150000"/>
+              </a:lnSpc>
+              <a:buFont typeface="Arial" panose="020B0604020202020204" pitchFamily="34" charset="0"/>
+              <a:buChar char="•"/>
+            </a:pPr>
+            <a:r>
+              <a:rPr lang="en-US" dirty="0" smtClean="0"/>
+              <a:t>174 </a:t>
+            </a:r>
+            <a:r>
+              <a:rPr lang="en-US" dirty="0"/>
+              <a:t>Raiders of the Lost Ark (1981) </a:t>
+            </a:r>
+            <a:endParaRPr lang="en-US" dirty="0" smtClean="0"/>
+          </a:p>
+          <a:p>
+            <a:pPr marL="285750" indent="-285750">
+              <a:lnSpc>
+                <a:spcPct val="150000"/>
+              </a:lnSpc>
+              <a:buFont typeface="Arial" panose="020B0604020202020204" pitchFamily="34" charset="0"/>
+              <a:buChar char="•"/>
+            </a:pPr>
+            <a:r>
+              <a:rPr lang="en-US" dirty="0" smtClean="0"/>
+              <a:t>172 </a:t>
+            </a:r>
+            <a:r>
+              <a:rPr lang="en-US" dirty="0"/>
+              <a:t>Empire Strikes Back, The (1980) </a:t>
+            </a:r>
+            <a:endParaRPr lang="en-US" dirty="0" smtClean="0"/>
+          </a:p>
+          <a:p>
+            <a:pPr marL="285750" indent="-285750">
+              <a:lnSpc>
+                <a:spcPct val="150000"/>
+              </a:lnSpc>
+              <a:buFont typeface="Arial" panose="020B0604020202020204" pitchFamily="34" charset="0"/>
+              <a:buChar char="•"/>
+            </a:pPr>
+            <a:r>
+              <a:rPr lang="en-US" dirty="0" smtClean="0"/>
+              <a:t>210 </a:t>
+            </a:r>
+            <a:r>
+              <a:rPr lang="en-US" dirty="0"/>
+              <a:t>Indiana Jones and the Last Crusade (1989) </a:t>
+            </a:r>
+            <a:endParaRPr lang="en-US" dirty="0" smtClean="0"/>
+          </a:p>
+          <a:p>
+            <a:pPr marL="285750" indent="-285750">
+              <a:lnSpc>
+                <a:spcPct val="150000"/>
+              </a:lnSpc>
+              <a:buFont typeface="Arial" panose="020B0604020202020204" pitchFamily="34" charset="0"/>
+              <a:buChar char="•"/>
+            </a:pPr>
+            <a:r>
+              <a:rPr lang="en-US" dirty="0" smtClean="0"/>
+              <a:t>98 </a:t>
+            </a:r>
+            <a:r>
+              <a:rPr lang="en-US" dirty="0"/>
+              <a:t>Silence of the Lambs, The (1991) </a:t>
+            </a:r>
+            <a:endParaRPr lang="en-US" dirty="0" smtClean="0"/>
+          </a:p>
+          <a:p>
+            <a:pPr marL="285750" indent="-285750">
+              <a:lnSpc>
+                <a:spcPct val="150000"/>
+              </a:lnSpc>
+              <a:buFont typeface="Arial" panose="020B0604020202020204" pitchFamily="34" charset="0"/>
+              <a:buChar char="•"/>
+            </a:pPr>
+            <a:r>
+              <a:rPr lang="en-US" dirty="0" smtClean="0"/>
+              <a:t>1 </a:t>
+            </a:r>
+            <a:r>
+              <a:rPr lang="en-US" dirty="0"/>
+              <a:t>Toy Story (1995) </a:t>
+            </a:r>
+            <a:endParaRPr lang="en-US" dirty="0" smtClean="0"/>
+          </a:p>
+          <a:p>
+            <a:pPr marL="285750" indent="-285750">
+              <a:lnSpc>
+                <a:spcPct val="150000"/>
+              </a:lnSpc>
+              <a:buFont typeface="Arial" panose="020B0604020202020204" pitchFamily="34" charset="0"/>
+              <a:buChar char="•"/>
+            </a:pPr>
+            <a:r>
+              <a:rPr lang="en-US" dirty="0" smtClean="0"/>
+              <a:t>121 </a:t>
+            </a:r>
+            <a:r>
+              <a:rPr lang="en-US" dirty="0"/>
+              <a:t>Independence Day (ID4) (1996) </a:t>
+            </a:r>
+            <a:endParaRPr lang="en-US" dirty="0" smtClean="0"/>
+          </a:p>
+          <a:p>
+            <a:pPr marL="285750" indent="-285750">
+              <a:lnSpc>
+                <a:spcPct val="150000"/>
+              </a:lnSpc>
+              <a:buFont typeface="Arial" panose="020B0604020202020204" pitchFamily="34" charset="0"/>
+              <a:buChar char="•"/>
+            </a:pPr>
+            <a:r>
+              <a:rPr lang="en-US" dirty="0" smtClean="0"/>
+              <a:t>173 </a:t>
+            </a:r>
+            <a:r>
+              <a:rPr lang="en-US" dirty="0"/>
+              <a:t>Princess Bride, The (1987) </a:t>
+            </a:r>
+            <a:endParaRPr lang="en-US" dirty="0" smtClean="0"/>
+          </a:p>
+          <a:p>
+            <a:pPr marL="285750" indent="-285750">
+              <a:lnSpc>
+                <a:spcPct val="150000"/>
+              </a:lnSpc>
+              <a:buFont typeface="Arial" panose="020B0604020202020204" pitchFamily="34" charset="0"/>
+              <a:buChar char="•"/>
+            </a:pPr>
+            <a:r>
+              <a:rPr lang="en-US" dirty="0" smtClean="0"/>
+              <a:t>204 </a:t>
+            </a:r>
+            <a:r>
+              <a:rPr lang="en-US" dirty="0"/>
+              <a:t>Back to the Future (1985)</a:t>
+            </a:r>
+            <a:endParaRPr lang="es-AR" dirty="0"/>
+          </a:p>
+        </p:txBody>
+      </p:sp>
+    </p:spTree>
+    <p:extLst>
+      <p:ext uri="{BB962C8B-B14F-4D97-AF65-F5344CB8AC3E}">
+        <p14:creationId xmlns:p14="http://schemas.microsoft.com/office/powerpoint/2010/main" val="3625230444"/>
+      </p:ext>
+    </p:extLst>
+  </p:cSld>
+  <p:clrMapOvr>
+    <a:masterClrMapping/>
+  </p:clrMapOvr>
+  <mc:AlternateContent xmlns:mc="http://schemas.openxmlformats.org/markup-compatibility/2006">
+    <mc:Choice xmlns:p14="http://schemas.microsoft.com/office/powerpoint/2010/main" Requires="p14">
+      <p:transition spd="slow" p14:dur="2000"/>
+    </mc:Choice>
+    <mc:Fallback>
+      <p:transition spd="slow"/>
+    </mc:Fallback>
+  </mc:AlternateContent>
+  <p:timing>
+    <p:tnLst>
+      <p:par>
+        <p:cTn id="1" dur="indefinite" restart="never" nodeType="tmRoot"/>
+      </p:par>
+    </p:tnLst>
+  </p:timing>
+</p:sld>
+</file>
+
+<file path=ppt/slides/slide8.xml><?xml version="1.0" encoding="utf-8"?>
+<p:sld xmlns:a="http://schemas.openxmlformats.org/drawingml/2006/main" xmlns:r="http://schemas.openxmlformats.org/officeDocument/2006/relationships" xmlns:p="http://schemas.openxmlformats.org/presentationml/2006/main" show="0">
+  <p:cSld>
+    <p:bg>
+      <p:bgPr>
+        <a:solidFill>
+          <a:schemeClr val="bg1"/>
+        </a:solidFill>
+        <a:effectLst/>
+      </p:bgPr>
+    </p:bg>
+    <p:spTree>
+      <p:nvGrpSpPr>
+        <p:cNvPr id="1" name=""/>
+        <p:cNvGrpSpPr/>
+        <p:nvPr/>
+      </p:nvGrpSpPr>
+      <p:grpSpPr>
+        <a:xfrm>
+          <a:off x="0" y="0"/>
+          <a:ext cx="0" cy="0"/>
+          <a:chOff x="0" y="0"/>
+          <a:chExt cx="0" cy="0"/>
+        </a:xfrm>
+      </p:grpSpPr>
+      <p:sp useBgFill="1">
+        <p:nvSpPr>
+          <p:cNvPr id="18" name="Rectángulo 17">
+            <a:extLst>
+              <a:ext uri="{FF2B5EF4-FFF2-40B4-BE49-F238E27FC236}">
+                <a16:creationId xmlns:a16="http://schemas.microsoft.com/office/drawing/2014/main" id="{93F0ADB5-A0B4-4B01-A8C4-FDC34CE22BD4}"/>
+              </a:ext>
+              <a:ext uri="{C183D7F6-B498-43B3-948B-1728B52AA6E4}">
+                <adec:decorative xmlns="" xmlns:adec="http://schemas.microsoft.com/office/drawing/2017/decorative" val="1"/>
+              </a:ext>
+            </a:extLst>
+          </p:cNvPr>
+          <p:cNvSpPr>
+            <a:spLocks noGrp="1" noRot="1" noChangeAspect="1" noMove="1" noResize="1" noEditPoints="1" noAdjustHandles="1" noChangeArrowheads="1" noChangeShapeType="1" noTextEdit="1"/>
+          </p:cNvSpPr>
+          <p:nvPr>
+            <p:extLst>
+              <p:ext uri="{386F3935-93C4-4BCD-93E2-E3B085C9AB24}">
+                <p16:designElem xmlns:p16="http://schemas.microsoft.com/office/powerpoint/2015/main" val="1"/>
+              </p:ext>
+            </p:extLst>
+          </p:nvPr>
+        </p:nvSpPr>
+        <p:spPr>
+          <a:xfrm>
+            <a:off x="0" y="0"/>
+            <a:ext cx="12191999" cy="6858000"/>
+          </a:xfrm>
+          <a:prstGeom prst="rect">
+            <a:avLst/>
+          </a:prstGeom>
+          <a:ln>
+            <a:noFill/>
+          </a:ln>
+        </p:spPr>
+        <p:style>
+          <a:lnRef idx="2">
+            <a:schemeClr val="accent1">
+              <a:shade val="50000"/>
+            </a:schemeClr>
+          </a:lnRef>
+          <a:fillRef idx="1">
+            <a:schemeClr val="accent1"/>
+          </a:fillRef>
+          <a:effectRef idx="0">
+            <a:schemeClr val="accent1"/>
+          </a:effectRef>
+          <a:fontRef idx="minor">
+            <a:schemeClr val="lt1"/>
+          </a:fontRef>
+        </p:style>
+        <p:txBody>
+          <a:bodyPr rtlCol="0" anchor="ctr"/>
+          <a:lstStyle/>
+          <a:p>
+            <a:pPr algn="ctr" rtl="0"/>
+            <a:endParaRPr lang="es-ES" dirty="0"/>
+          </a:p>
+        </p:txBody>
+      </p:sp>
+      <p:sp>
+        <p:nvSpPr>
+          <p:cNvPr id="20" name="Rectángulo 19">
+            <a:extLst>
+              <a:ext uri="{FF2B5EF4-FFF2-40B4-BE49-F238E27FC236}">
+                <a16:creationId xmlns:a16="http://schemas.microsoft.com/office/drawing/2014/main" id="{AA6D0FDE-0241-4C21-A720-A69475358235}"/>
+              </a:ext>
+              <a:ext uri="{C183D7F6-B498-43B3-948B-1728B52AA6E4}">
+                <adec:decorative xmlns="" xmlns:adec="http://schemas.microsoft.com/office/drawing/2017/decorative" val="1"/>
+              </a:ext>
+            </a:extLst>
+          </p:cNvPr>
+          <p:cNvSpPr>
+            <a:spLocks noGrp="1" noRot="1" noChangeAspect="1" noMove="1" noResize="1" noEditPoints="1" noAdjustHandles="1" noChangeArrowheads="1" noChangeShapeType="1" noTextEdit="1"/>
+          </p:cNvSpPr>
+          <p:nvPr>
+            <p:extLst>
+              <p:ext uri="{386F3935-93C4-4BCD-93E2-E3B085C9AB24}">
+                <p16:designElem xmlns:p16="http://schemas.microsoft.com/office/powerpoint/2015/main" val="1"/>
+              </p:ext>
+            </p:extLst>
+          </p:nvPr>
+        </p:nvSpPr>
+        <p:spPr>
+          <a:xfrm>
+            <a:off x="0" y="0"/>
+            <a:ext cx="4654296" cy="6858000"/>
+          </a:xfrm>
+          <a:prstGeom prst="rect">
+            <a:avLst/>
+          </a:prstGeom>
+          <a:solidFill>
+            <a:schemeClr val="tx1">
+              <a:lumMod val="95000"/>
+              <a:lumOff val="5000"/>
+            </a:schemeClr>
+          </a:solidFill>
+          <a:ln>
+            <a:noFill/>
+          </a:ln>
+        </p:spPr>
+        <p:style>
+          <a:lnRef idx="0">
+            <a:scrgbClr r="0" g="0" b="0"/>
+          </a:lnRef>
+          <a:fillRef idx="0">
+            <a:scrgbClr r="0" g="0" b="0"/>
+          </a:fillRef>
+          <a:effectRef idx="0">
+            <a:scrgbClr r="0" g="0" b="0"/>
+          </a:effectRef>
+          <a:fontRef idx="minor">
+            <a:schemeClr val="lt1"/>
+          </a:fontRef>
+        </p:style>
+        <p:txBody>
+          <a:bodyPr rtlCol="0" anchor="ctr"/>
+          <a:lstStyle/>
+          <a:p>
+            <a:pPr algn="ctr" rtl="0"/>
+            <a:endParaRPr lang="es-ES" dirty="0"/>
+          </a:p>
+        </p:txBody>
+      </p:sp>
+      <p:sp>
+        <p:nvSpPr>
+          <p:cNvPr id="2" name="Título 1">
+            <a:extLst>
+              <a:ext uri="{FF2B5EF4-FFF2-40B4-BE49-F238E27FC236}">
+                <a16:creationId xmlns:a16="http://schemas.microsoft.com/office/drawing/2014/main" id="{15115107-5DA3-4397-A1DA-67705DAE1EC2}"/>
+              </a:ext>
+            </a:extLst>
+          </p:cNvPr>
+          <p:cNvSpPr>
+            <a:spLocks noGrp="1"/>
+          </p:cNvSpPr>
+          <p:nvPr>
+            <p:ph type="title"/>
+          </p:nvPr>
+        </p:nvSpPr>
+        <p:spPr>
+          <a:xfrm>
+            <a:off x="643467" y="2681103"/>
+            <a:ext cx="3363974" cy="1495794"/>
+          </a:xfrm>
+          <a:noFill/>
+          <a:ln w="31750" cap="sq">
+            <a:solidFill>
+              <a:srgbClr val="FFFFFF"/>
+            </a:solidFill>
+            <a:miter lim="800000"/>
+          </a:ln>
+          <a:effectLst>
+            <a:glow rad="152400">
+              <a:schemeClr val="bg1">
+                <a:alpha val="13000"/>
+              </a:schemeClr>
+            </a:glow>
+          </a:effectLst>
+        </p:spPr>
+        <p:txBody>
+          <a:bodyPr vert="horz" wrap="square" lIns="182880" tIns="182880" rIns="182880" bIns="182880" rtlCol="0" anchor="ctr">
+            <a:normAutofit/>
+          </a:bodyPr>
+          <a:lstStyle/>
+          <a:p>
+            <a:pPr rtl="0"/>
+            <a:r>
+              <a:rPr lang="es-ES" dirty="0" smtClean="0">
+                <a:solidFill>
+                  <a:srgbClr val="FFFFFF"/>
+                </a:solidFill>
+              </a:rPr>
+              <a:t>RESULTADOS</a:t>
+            </a:r>
+            <a:endParaRPr lang="es-ES" dirty="0">
+              <a:solidFill>
+                <a:srgbClr val="FFFFFF"/>
+              </a:solidFill>
+            </a:endParaRPr>
+          </a:p>
+        </p:txBody>
+      </p:sp>
+      <p:pic>
+        <p:nvPicPr>
+          <p:cNvPr id="4" name="Imagen 3"/>
+          <p:cNvPicPr>
+            <a:picLocks noChangeAspect="1"/>
+          </p:cNvPicPr>
+          <p:nvPr/>
+        </p:nvPicPr>
+        <p:blipFill>
+          <a:blip r:embed="rId3">
+            <a:extLst>
+              <a:ext uri="{28A0092B-C50C-407E-A947-70E740481C1C}">
+                <a14:useLocalDpi xmlns:a14="http://schemas.microsoft.com/office/drawing/2010/main" val="0"/>
+              </a:ext>
+            </a:extLst>
+          </a:blip>
+          <a:stretch>
+            <a:fillRect/>
+          </a:stretch>
+        </p:blipFill>
+        <p:spPr>
+          <a:xfrm>
+            <a:off x="5756165" y="532207"/>
+            <a:ext cx="782270" cy="782270"/>
+          </a:xfrm>
+          <a:prstGeom prst="rect">
+            <a:avLst/>
+          </a:prstGeom>
+        </p:spPr>
+      </p:pic>
+      <p:sp>
+        <p:nvSpPr>
+          <p:cNvPr id="14" name="CuadroTexto 13"/>
+          <p:cNvSpPr txBox="1"/>
+          <p:nvPr/>
+        </p:nvSpPr>
+        <p:spPr>
+          <a:xfrm>
+            <a:off x="6726479" y="692509"/>
+            <a:ext cx="1175322" cy="461665"/>
+          </a:xfrm>
+          <a:prstGeom prst="rect">
+            <a:avLst/>
+          </a:prstGeom>
+          <a:noFill/>
+        </p:spPr>
+        <p:txBody>
+          <a:bodyPr wrap="none" rtlCol="0">
+            <a:spAutoFit/>
+          </a:bodyPr>
+          <a:lstStyle/>
+          <a:p>
+            <a:r>
+              <a:rPr lang="es-AR" sz="2400" dirty="0" err="1" smtClean="0"/>
+              <a:t>LigthFM</a:t>
+            </a:r>
+            <a:endParaRPr lang="es-AR" sz="2400" b="1" dirty="0">
+              <a:solidFill>
+                <a:srgbClr val="C00000"/>
+              </a:solidFill>
+            </a:endParaRPr>
+          </a:p>
+        </p:txBody>
+      </p:sp>
+      <p:sp>
+        <p:nvSpPr>
+          <p:cNvPr id="7" name="CuadroTexto 6"/>
+          <p:cNvSpPr txBox="1"/>
+          <p:nvPr/>
+        </p:nvSpPr>
+        <p:spPr>
+          <a:xfrm>
+            <a:off x="5756165" y="1649136"/>
+            <a:ext cx="5033556" cy="4385816"/>
+          </a:xfrm>
+          <a:prstGeom prst="rect">
+            <a:avLst/>
+          </a:prstGeom>
+          <a:noFill/>
+          <a:ln w="28575">
+            <a:solidFill>
+              <a:srgbClr val="002060"/>
+            </a:solidFill>
+          </a:ln>
+        </p:spPr>
+        <p:txBody>
+          <a:bodyPr wrap="square" rtlCol="0">
+            <a:spAutoFit/>
+          </a:bodyPr>
+          <a:lstStyle/>
+          <a:p>
+            <a:r>
+              <a:rPr lang="en-US" dirty="0"/>
+              <a:t>Because you </a:t>
+            </a:r>
+            <a:r>
+              <a:rPr lang="en-US" dirty="0" smtClean="0"/>
+              <a:t>watched </a:t>
+            </a:r>
+            <a:r>
+              <a:rPr lang="en-US" b="1" dirty="0" smtClean="0"/>
+              <a:t>Star Wars </a:t>
+            </a:r>
+            <a:r>
+              <a:rPr lang="en-US" dirty="0" smtClean="0"/>
+              <a:t>(</a:t>
+            </a:r>
+            <a:r>
+              <a:rPr lang="en-US" dirty="0"/>
+              <a:t>1977): </a:t>
+            </a:r>
+            <a:endParaRPr lang="en-US" dirty="0" smtClean="0"/>
+          </a:p>
+          <a:p>
+            <a:endParaRPr lang="en-US" dirty="0"/>
+          </a:p>
+          <a:p>
+            <a:pPr marL="285750" indent="-285750">
+              <a:lnSpc>
+                <a:spcPct val="150000"/>
+              </a:lnSpc>
+              <a:buFont typeface="Arial" panose="020B0604020202020204" pitchFamily="34" charset="0"/>
+              <a:buChar char="•"/>
+            </a:pPr>
+            <a:r>
+              <a:rPr lang="en-US" dirty="0" smtClean="0"/>
+              <a:t>181 </a:t>
+            </a:r>
+            <a:r>
+              <a:rPr lang="en-US" dirty="0"/>
+              <a:t>Return of the Jedi (</a:t>
+            </a:r>
+            <a:r>
+              <a:rPr lang="en-US" dirty="0" smtClean="0"/>
+              <a:t>1983</a:t>
+            </a:r>
+            <a:r>
+              <a:rPr lang="en-US" dirty="0"/>
+              <a:t>) </a:t>
+            </a:r>
+            <a:endParaRPr lang="en-US" dirty="0" smtClean="0"/>
+          </a:p>
+          <a:p>
+            <a:pPr marL="285750" indent="-285750">
+              <a:lnSpc>
+                <a:spcPct val="150000"/>
+              </a:lnSpc>
+              <a:buFont typeface="Arial" panose="020B0604020202020204" pitchFamily="34" charset="0"/>
+              <a:buChar char="•"/>
+            </a:pPr>
+            <a:r>
+              <a:rPr lang="en-US" dirty="0" smtClean="0"/>
+              <a:t>174 </a:t>
+            </a:r>
+            <a:r>
+              <a:rPr lang="en-US" dirty="0"/>
+              <a:t>Raiders of the Lost Ark (1981) </a:t>
+            </a:r>
+            <a:endParaRPr lang="en-US" dirty="0" smtClean="0"/>
+          </a:p>
+          <a:p>
+            <a:pPr marL="285750" indent="-285750">
+              <a:lnSpc>
+                <a:spcPct val="150000"/>
+              </a:lnSpc>
+              <a:buFont typeface="Arial" panose="020B0604020202020204" pitchFamily="34" charset="0"/>
+              <a:buChar char="•"/>
+            </a:pPr>
+            <a:r>
+              <a:rPr lang="en-US" dirty="0" smtClean="0"/>
+              <a:t>172 </a:t>
+            </a:r>
+            <a:r>
+              <a:rPr lang="en-US" dirty="0"/>
+              <a:t>Empire Strikes Back, The (1980) </a:t>
+            </a:r>
+            <a:endParaRPr lang="en-US" dirty="0" smtClean="0"/>
+          </a:p>
+          <a:p>
+            <a:pPr marL="285750" indent="-285750">
+              <a:lnSpc>
+                <a:spcPct val="150000"/>
+              </a:lnSpc>
+              <a:buFont typeface="Arial" panose="020B0604020202020204" pitchFamily="34" charset="0"/>
+              <a:buChar char="•"/>
+            </a:pPr>
+            <a:r>
+              <a:rPr lang="en-US" dirty="0" smtClean="0"/>
+              <a:t>210 </a:t>
+            </a:r>
+            <a:r>
+              <a:rPr lang="en-US" dirty="0"/>
+              <a:t>Indiana Jones and the Last Crusade (1989) </a:t>
+            </a:r>
+            <a:endParaRPr lang="en-US" dirty="0" smtClean="0"/>
+          </a:p>
+          <a:p>
+            <a:pPr marL="285750" indent="-285750">
+              <a:lnSpc>
+                <a:spcPct val="150000"/>
+              </a:lnSpc>
+              <a:buFont typeface="Arial" panose="020B0604020202020204" pitchFamily="34" charset="0"/>
+              <a:buChar char="•"/>
+            </a:pPr>
+            <a:r>
+              <a:rPr lang="en-US" dirty="0" smtClean="0"/>
+              <a:t>98 </a:t>
+            </a:r>
+            <a:r>
+              <a:rPr lang="en-US" dirty="0"/>
+              <a:t>Silence of the Lambs, The (1991) </a:t>
+            </a:r>
+            <a:endParaRPr lang="en-US" dirty="0" smtClean="0"/>
+          </a:p>
+          <a:p>
+            <a:pPr marL="285750" indent="-285750">
+              <a:lnSpc>
+                <a:spcPct val="150000"/>
+              </a:lnSpc>
+              <a:buFont typeface="Arial" panose="020B0604020202020204" pitchFamily="34" charset="0"/>
+              <a:buChar char="•"/>
+            </a:pPr>
+            <a:r>
+              <a:rPr lang="en-US" dirty="0" smtClean="0"/>
+              <a:t>1 </a:t>
+            </a:r>
+            <a:r>
+              <a:rPr lang="en-US" dirty="0"/>
+              <a:t>Toy Story (1995) </a:t>
+            </a:r>
+            <a:endParaRPr lang="en-US" dirty="0" smtClean="0"/>
+          </a:p>
+          <a:p>
+            <a:pPr marL="285750" indent="-285750">
+              <a:lnSpc>
+                <a:spcPct val="150000"/>
+              </a:lnSpc>
+              <a:buFont typeface="Arial" panose="020B0604020202020204" pitchFamily="34" charset="0"/>
+              <a:buChar char="•"/>
+            </a:pPr>
+            <a:r>
+              <a:rPr lang="en-US" dirty="0" smtClean="0"/>
+              <a:t>121 </a:t>
+            </a:r>
+            <a:r>
+              <a:rPr lang="en-US" dirty="0"/>
+              <a:t>Independence Day (ID4) (1996) </a:t>
+            </a:r>
+            <a:endParaRPr lang="en-US" dirty="0" smtClean="0"/>
+          </a:p>
+          <a:p>
+            <a:pPr marL="285750" indent="-285750">
+              <a:lnSpc>
+                <a:spcPct val="150000"/>
+              </a:lnSpc>
+              <a:buFont typeface="Arial" panose="020B0604020202020204" pitchFamily="34" charset="0"/>
+              <a:buChar char="•"/>
+            </a:pPr>
+            <a:r>
+              <a:rPr lang="en-US" dirty="0" smtClean="0"/>
+              <a:t>173 </a:t>
+            </a:r>
+            <a:r>
+              <a:rPr lang="en-US" dirty="0"/>
+              <a:t>Princess Bride, The (1987) </a:t>
+            </a:r>
+            <a:endParaRPr lang="en-US" dirty="0" smtClean="0"/>
+          </a:p>
+          <a:p>
+            <a:pPr marL="285750" indent="-285750">
+              <a:lnSpc>
+                <a:spcPct val="150000"/>
+              </a:lnSpc>
+              <a:buFont typeface="Arial" panose="020B0604020202020204" pitchFamily="34" charset="0"/>
+              <a:buChar char="•"/>
+            </a:pPr>
+            <a:r>
+              <a:rPr lang="en-US" dirty="0" smtClean="0"/>
+              <a:t>204 </a:t>
+            </a:r>
+            <a:r>
+              <a:rPr lang="en-US" dirty="0"/>
+              <a:t>Back to the Future (1985)</a:t>
+            </a:r>
+            <a:endParaRPr lang="es-AR" dirty="0"/>
+          </a:p>
+        </p:txBody>
+      </p:sp>
+    </p:spTree>
+    <p:extLst>
+      <p:ext uri="{BB962C8B-B14F-4D97-AF65-F5344CB8AC3E}">
+        <p14:creationId xmlns:p14="http://schemas.microsoft.com/office/powerpoint/2010/main" val="198841420"/>
+      </p:ext>
+    </p:extLst>
+  </p:cSld>
+  <p:clrMapOvr>
+    <a:masterClrMapping/>
+  </p:clrMapOvr>
+  <mc:AlternateContent xmlns:mc="http://schemas.openxmlformats.org/markup-compatibility/2006">
+    <mc:Choice xmlns:p14="http://schemas.microsoft.com/office/powerpoint/2010/main" Requires="p14">
+      <p:transition spd="slow" p14:dur="2000"/>
+    </mc:Choice>
+    <mc:Fallback>
+      <p:transition spd="slow"/>
+    </mc:Fallback>
+  </mc:AlternateContent>
+  <p:timing>
+    <p:tnLst>
+      <p:par>
+        <p:cTn id="1" dur="indefinite" restart="never" nodeType="tmRoot"/>
+      </p:par>
+    </p:tnLst>
+  </p:timing>
+</p:sld>
+</file>
+
+<file path=ppt/slides/slide9.xml><?xml version="1.0" encoding="utf-8"?>
+<p:sld xmlns:a="http://schemas.openxmlformats.org/drawingml/2006/main" xmlns:r="http://schemas.openxmlformats.org/officeDocument/2006/relationships" xmlns:p="http://schemas.openxmlformats.org/presentationml/2006/main">
+  <p:cSld>
+    <p:bg>
+      <p:bgPr>
+        <a:solidFill>
+          <a:schemeClr val="bg1"/>
+        </a:solidFill>
+        <a:effectLst/>
+      </p:bgPr>
+    </p:bg>
+    <p:spTree>
+      <p:nvGrpSpPr>
+        <p:cNvPr id="1" name=""/>
+        <p:cNvGrpSpPr/>
+        <p:nvPr/>
+      </p:nvGrpSpPr>
+      <p:grpSpPr>
+        <a:xfrm>
+          <a:off x="0" y="0"/>
+          <a:ext cx="0" cy="0"/>
+          <a:chOff x="0" y="0"/>
+          <a:chExt cx="0" cy="0"/>
+        </a:xfrm>
+      </p:grpSpPr>
+      <p:sp useBgFill="1">
+        <p:nvSpPr>
+          <p:cNvPr id="18" name="Rectángulo 17">
+            <a:extLst>
+              <a:ext uri="{FF2B5EF4-FFF2-40B4-BE49-F238E27FC236}">
+                <a16:creationId xmlns:a16="http://schemas.microsoft.com/office/drawing/2014/main" id="{93F0ADB5-A0B4-4B01-A8C4-FDC34CE22BD4}"/>
+              </a:ext>
+              <a:ext uri="{C183D7F6-B498-43B3-948B-1728B52AA6E4}">
+                <adec:decorative xmlns="" xmlns:adec="http://schemas.microsoft.com/office/drawing/2017/decorative" val="1"/>
+              </a:ext>
+            </a:extLst>
+          </p:cNvPr>
+          <p:cNvSpPr>
+            <a:spLocks noGrp="1" noRot="1" noChangeAspect="1" noMove="1" noResize="1" noEditPoints="1" noAdjustHandles="1" noChangeArrowheads="1" noChangeShapeType="1" noTextEdit="1"/>
+          </p:cNvSpPr>
+          <p:nvPr>
+            <p:extLst>
+              <p:ext uri="{386F3935-93C4-4BCD-93E2-E3B085C9AB24}">
+                <p16:designElem xmlns:p16="http://schemas.microsoft.com/office/powerpoint/2015/main" val="1"/>
+              </p:ext>
+            </p:extLst>
+          </p:nvPr>
+        </p:nvSpPr>
+        <p:spPr>
+          <a:xfrm>
+            <a:off x="0" y="0"/>
+            <a:ext cx="12191999" cy="6858000"/>
+          </a:xfrm>
+          <a:prstGeom prst="rect">
+            <a:avLst/>
+          </a:prstGeom>
+          <a:ln>
+            <a:noFill/>
+          </a:ln>
+        </p:spPr>
+        <p:style>
+          <a:lnRef idx="2">
+            <a:schemeClr val="accent1">
+              <a:shade val="50000"/>
+            </a:schemeClr>
+          </a:lnRef>
+          <a:fillRef idx="1">
+            <a:schemeClr val="accent1"/>
+          </a:fillRef>
+          <a:effectRef idx="0">
+            <a:schemeClr val="accent1"/>
+          </a:effectRef>
+          <a:fontRef idx="minor">
+            <a:schemeClr val="lt1"/>
+          </a:fontRef>
+        </p:style>
+        <p:txBody>
+          <a:bodyPr rtlCol="0" anchor="ctr"/>
+          <a:lstStyle/>
+          <a:p>
+            <a:pPr algn="ctr" rtl="0"/>
+            <a:endParaRPr lang="es-ES" dirty="0"/>
+          </a:p>
+        </p:txBody>
+      </p:sp>
+      <p:sp>
+        <p:nvSpPr>
+          <p:cNvPr id="20" name="Rectángulo 19">
+            <a:extLst>
+              <a:ext uri="{FF2B5EF4-FFF2-40B4-BE49-F238E27FC236}">
+                <a16:creationId xmlns:a16="http://schemas.microsoft.com/office/drawing/2014/main" id="{AA6D0FDE-0241-4C21-A720-A69475358235}"/>
+              </a:ext>
+              <a:ext uri="{C183D7F6-B498-43B3-948B-1728B52AA6E4}">
+                <adec:decorative xmlns="" xmlns:adec="http://schemas.microsoft.com/office/drawing/2017/decorative" val="1"/>
+              </a:ext>
+            </a:extLst>
+          </p:cNvPr>
+          <p:cNvSpPr>
+            <a:spLocks noGrp="1" noRot="1" noChangeAspect="1" noMove="1" noResize="1" noEditPoints="1" noAdjustHandles="1" noChangeArrowheads="1" noChangeShapeType="1" noTextEdit="1"/>
+          </p:cNvSpPr>
+          <p:nvPr>
+            <p:extLst>
+              <p:ext uri="{386F3935-93C4-4BCD-93E2-E3B085C9AB24}">
+                <p16:designElem xmlns:p16="http://schemas.microsoft.com/office/powerpoint/2015/main" val="1"/>
+              </p:ext>
+            </p:extLst>
+          </p:nvPr>
+        </p:nvSpPr>
+        <p:spPr>
+          <a:xfrm>
+            <a:off x="0" y="0"/>
+            <a:ext cx="4654296" cy="6858000"/>
+          </a:xfrm>
+          <a:prstGeom prst="rect">
+            <a:avLst/>
+          </a:prstGeom>
+          <a:solidFill>
+            <a:schemeClr val="tx1">
+              <a:lumMod val="95000"/>
+              <a:lumOff val="5000"/>
+            </a:schemeClr>
+          </a:solidFill>
+          <a:ln>
+            <a:noFill/>
+          </a:ln>
+        </p:spPr>
+        <p:style>
+          <a:lnRef idx="0">
+            <a:scrgbClr r="0" g="0" b="0"/>
+          </a:lnRef>
+          <a:fillRef idx="0">
+            <a:scrgbClr r="0" g="0" b="0"/>
+          </a:fillRef>
+          <a:effectRef idx="0">
+            <a:scrgbClr r="0" g="0" b="0"/>
+          </a:effectRef>
+          <a:fontRef idx="minor">
+            <a:schemeClr val="lt1"/>
+          </a:fontRef>
+        </p:style>
+        <p:txBody>
+          <a:bodyPr rtlCol="0" anchor="ctr"/>
+          <a:lstStyle/>
+          <a:p>
+            <a:pPr algn="ctr" rtl="0"/>
+            <a:endParaRPr lang="es-ES" dirty="0"/>
+          </a:p>
+        </p:txBody>
+      </p:sp>
+      <p:sp>
+        <p:nvSpPr>
+          <p:cNvPr id="2" name="Título 1">
+            <a:extLst>
+              <a:ext uri="{FF2B5EF4-FFF2-40B4-BE49-F238E27FC236}">
+                <a16:creationId xmlns:a16="http://schemas.microsoft.com/office/drawing/2014/main" id="{15115107-5DA3-4397-A1DA-67705DAE1EC2}"/>
+              </a:ext>
+            </a:extLst>
+          </p:cNvPr>
+          <p:cNvSpPr>
+            <a:spLocks noGrp="1"/>
+          </p:cNvSpPr>
+          <p:nvPr>
+            <p:ph type="title"/>
+          </p:nvPr>
+        </p:nvSpPr>
+        <p:spPr>
+          <a:xfrm>
+            <a:off x="643467" y="2681103"/>
+            <a:ext cx="3363974" cy="1495794"/>
+          </a:xfrm>
+          <a:noFill/>
+          <a:ln w="31750" cap="sq">
+            <a:solidFill>
+              <a:srgbClr val="FFFFFF"/>
+            </a:solidFill>
+            <a:miter lim="800000"/>
+          </a:ln>
+          <a:effectLst>
+            <a:glow rad="152400">
+              <a:schemeClr val="bg1">
+                <a:alpha val="13000"/>
+              </a:schemeClr>
+            </a:glow>
+          </a:effectLst>
+        </p:spPr>
+        <p:txBody>
+          <a:bodyPr vert="horz" wrap="square" lIns="182880" tIns="182880" rIns="182880" bIns="182880" rtlCol="0" anchor="ctr">
+            <a:normAutofit/>
+          </a:bodyPr>
+          <a:lstStyle/>
+          <a:p>
+            <a:pPr rtl="0"/>
+            <a:r>
+              <a:rPr lang="es-ES" dirty="0" smtClean="0">
+                <a:solidFill>
+                  <a:srgbClr val="FFFFFF"/>
+                </a:solidFill>
+              </a:rPr>
+              <a:t>RESULTADOS</a:t>
+            </a:r>
+            <a:endParaRPr lang="es-ES" dirty="0">
+              <a:solidFill>
+                <a:srgbClr val="FFFFFF"/>
+              </a:solidFill>
+            </a:endParaRPr>
+          </a:p>
+        </p:txBody>
+      </p:sp>
+      <p:pic>
+        <p:nvPicPr>
+          <p:cNvPr id="4" name="Imagen 3"/>
+          <p:cNvPicPr>
+            <a:picLocks noChangeAspect="1"/>
+          </p:cNvPicPr>
+          <p:nvPr/>
+        </p:nvPicPr>
+        <p:blipFill>
+          <a:blip r:embed="rId3">
+            <a:extLst>
+              <a:ext uri="{28A0092B-C50C-407E-A947-70E740481C1C}">
+                <a14:useLocalDpi xmlns:a14="http://schemas.microsoft.com/office/drawing/2010/main" val="0"/>
+              </a:ext>
+            </a:extLst>
+          </a:blip>
+          <a:stretch>
+            <a:fillRect/>
+          </a:stretch>
+        </p:blipFill>
+        <p:spPr>
+          <a:xfrm>
+            <a:off x="5756165" y="3144566"/>
             <a:ext cx="782270" cy="782270"/>
           </a:xfrm>
           <a:prstGeom prst="rect">
@@ -14426,7 +17414,7 @@
         </p:blipFill>
         <p:spPr>
           <a:xfrm>
-            <a:off x="5781645" y="3352532"/>
+            <a:off x="5781645" y="4623270"/>
             <a:ext cx="782270" cy="782270"/>
           </a:xfrm>
           <a:prstGeom prst="rect">
@@ -14434,9 +17422,97 @@
           </a:prstGeom>
         </p:spPr>
       </p:pic>
+      <p:sp>
+        <p:nvSpPr>
+          <p:cNvPr id="13" name="CuadroTexto 12"/>
+          <p:cNvSpPr txBox="1"/>
+          <p:nvPr/>
+        </p:nvSpPr>
+        <p:spPr>
+          <a:xfrm>
+            <a:off x="6816247" y="4598906"/>
+            <a:ext cx="4757445" cy="830997"/>
+          </a:xfrm>
+          <a:prstGeom prst="rect">
+            <a:avLst/>
+          </a:prstGeom>
+          <a:noFill/>
+        </p:spPr>
+        <p:txBody>
+          <a:bodyPr wrap="square" rtlCol="0">
+            <a:spAutoFit/>
+          </a:bodyPr>
+          <a:lstStyle/>
+          <a:p>
+            <a:r>
+              <a:rPr lang="es-AR" sz="2400" b="1" dirty="0" smtClean="0"/>
+              <a:t>Cold Start</a:t>
+            </a:r>
+            <a:r>
+              <a:rPr lang="es-AR" sz="2400" dirty="0" smtClean="0"/>
+              <a:t>: top 10 de películas con mejor </a:t>
+            </a:r>
+            <a:r>
+              <a:rPr lang="es-AR" sz="2400" i="1" dirty="0" smtClean="0"/>
+              <a:t>rating</a:t>
+            </a:r>
+            <a:r>
+              <a:rPr lang="es-AR" sz="2400" dirty="0" smtClean="0"/>
+              <a:t> promedio</a:t>
+            </a:r>
+            <a:endParaRPr lang="es-AR" sz="2400" b="1" dirty="0">
+              <a:solidFill>
+                <a:srgbClr val="C00000"/>
+              </a:solidFill>
+            </a:endParaRPr>
+          </a:p>
+        </p:txBody>
+      </p:sp>
+      <p:sp>
+        <p:nvSpPr>
+          <p:cNvPr id="14" name="CuadroTexto 13"/>
+          <p:cNvSpPr txBox="1"/>
+          <p:nvPr/>
+        </p:nvSpPr>
+        <p:spPr>
+          <a:xfrm>
+            <a:off x="6816247" y="2935536"/>
+            <a:ext cx="4847212" cy="1200329"/>
+          </a:xfrm>
+          <a:prstGeom prst="rect">
+            <a:avLst/>
+          </a:prstGeom>
+          <a:noFill/>
+        </p:spPr>
+        <p:txBody>
+          <a:bodyPr wrap="square" rtlCol="0">
+            <a:spAutoFit/>
+          </a:bodyPr>
+          <a:lstStyle/>
+          <a:p>
+            <a:r>
+              <a:rPr lang="es-AR" sz="2400" b="1" dirty="0" smtClean="0"/>
+              <a:t>Desarrollo</a:t>
+            </a:r>
+            <a:r>
+              <a:rPr lang="es-AR" sz="2400" dirty="0" smtClean="0"/>
+              <a:t>: Se realizó este proceso tanto con la función de Python, el modelo KNN y el modelo </a:t>
+            </a:r>
+            <a:r>
+              <a:rPr lang="es-AR" sz="2400" dirty="0" err="1" smtClean="0"/>
+              <a:t>LightFM</a:t>
+            </a:r>
+            <a:endParaRPr lang="es-AR" sz="2400" b="1" i="1" dirty="0">
+              <a:solidFill>
+                <a:srgbClr val="C00000"/>
+              </a:solidFill>
+            </a:endParaRPr>
+          </a:p>
+        </p:txBody>
+      </p:sp>
       <p:pic>
         <p:nvPicPr>
-          <p:cNvPr id="9" name="Imagen 8"/>
+          <p:cNvPr id="15" name="Imagen 14"/>
           <p:cNvPicPr>
             <a:picLocks noChangeAspect="1"/>
           </p:cNvPicPr>
@@ -14456,38 +17532,8 @@
         </p:blipFill>
         <p:spPr>
           <a:xfrm>
-            <a:off x="5781645" y="4696753"/>
+            <a:off x="5756165" y="1690226"/>
             <a:ext cx="782270" cy="782270"/>
-          </a:xfrm>
-          <a:prstGeom prst="rect">
-            <a:avLst/>
-          </a:prstGeom>
-        </p:spPr>
-      </p:pic>
-      <p:pic>
-        <p:nvPicPr>
-          <p:cNvPr id="5" name="Imagen 4"/>
-          <p:cNvPicPr>
-            <a:picLocks noChangeAspect="1"/>
-          </p:cNvPicPr>
-          <p:nvPr/>
-        </p:nvPicPr>
-        <p:blipFill>
-          <a:blip r:embed="rId4">
-            <a:extLst>
-              <a:ext uri="{28A0092B-C50C-407E-A947-70E740481C1C}">
-                <a14:useLocalDpi xmlns:a14="http://schemas.microsoft.com/office/drawing/2010/main" val="0"/>
-              </a:ext>
-            </a:extLst>
-          </a:blip>
-          <a:stretch>
-            <a:fillRect/>
-          </a:stretch>
-        </p:blipFill>
-        <p:spPr>
-          <a:xfrm>
-            <a:off x="10494158" y="314669"/>
-            <a:ext cx="1378975" cy="1378975"/>
           </a:xfrm>
           <a:prstGeom prst="rect">
             <a:avLst/>
@@ -14496,14 +17542,14 @@
       </p:pic>
       <p:sp>
         <p:nvSpPr>
-          <p:cNvPr id="6" name="CuadroTexto 5"/>
+          <p:cNvPr id="16" name="CuadroTexto 15"/>
           <p:cNvSpPr txBox="1"/>
           <p:nvPr/>
         </p:nvSpPr>
         <p:spPr>
           <a:xfrm>
-            <a:off x="7311593" y="680990"/>
-            <a:ext cx="2223109" cy="646331"/>
+            <a:off x="6807298" y="1507439"/>
+            <a:ext cx="5115837" cy="1200329"/>
           </a:xfrm>
           <a:prstGeom prst="rect">
             <a:avLst/>
@@ -14511,146 +17557,24 @@
           <a:noFill/>
         </p:spPr>
         <p:txBody>
-          <a:bodyPr wrap="none" rtlCol="0">
+          <a:bodyPr wrap="square" rtlCol="0">
             <a:spAutoFit/>
           </a:bodyPr>
           <a:lstStyle/>
           <a:p>
-            <a:pPr algn="ctr"/>
-            <a:r>
-              <a:rPr lang="es-AR" b="1" dirty="0" smtClean="0"/>
-              <a:t>MÉTRICAS</a:t>
-            </a:r>
-          </a:p>
-          <a:p>
-            <a:pPr algn="ctr"/>
-            <a:r>
-              <a:rPr lang="es-AR" i="1" dirty="0" smtClean="0"/>
-              <a:t>Mean Average Precision</a:t>
-            </a:r>
-            <a:endParaRPr lang="es-AR" i="1" dirty="0"/>
-          </a:p>
-        </p:txBody>
-      </p:sp>
-      <p:sp>
-        <p:nvSpPr>
-          <p:cNvPr id="7" name="CuadroTexto 6"/>
-          <p:cNvSpPr txBox="1"/>
-          <p:nvPr/>
-        </p:nvSpPr>
-        <p:spPr>
-          <a:xfrm>
-            <a:off x="6816247" y="4857055"/>
-            <a:ext cx="3351880" cy="461665"/>
-          </a:xfrm>
-          <a:prstGeom prst="rect">
-            <a:avLst/>
-          </a:prstGeom>
-          <a:noFill/>
-        </p:spPr>
-        <p:txBody>
-          <a:bodyPr wrap="none" rtlCol="0">
-            <a:spAutoFit/>
-          </a:bodyPr>
-          <a:lstStyle/>
-          <a:p>
+            <a:r>
+              <a:rPr lang="es-AR" sz="2400" b="1" dirty="0" smtClean="0"/>
+              <a:t>Proceso</a:t>
+            </a:r>
             <a:r>
               <a:rPr lang="es-AR" sz="2400" dirty="0" smtClean="0"/>
-              <a:t>LigthFM Model:  </a:t>
-            </a:r>
-            <a:r>
-              <a:rPr lang="en-US" sz="2400" b="1" dirty="0" smtClean="0">
-                <a:solidFill>
-                  <a:srgbClr val="00B050"/>
-                </a:solidFill>
-              </a:rPr>
-              <a:t>0.14266</a:t>
-            </a:r>
-            <a:endParaRPr lang="es-AR" sz="2400" b="1" dirty="0">
-              <a:solidFill>
-                <a:srgbClr val="00B050"/>
-              </a:solidFill>
-            </a:endParaRPr>
-          </a:p>
-        </p:txBody>
-      </p:sp>
-      <p:sp>
-        <p:nvSpPr>
-          <p:cNvPr id="13" name="CuadroTexto 12"/>
-          <p:cNvSpPr txBox="1"/>
-          <p:nvPr/>
-        </p:nvSpPr>
-        <p:spPr>
-          <a:xfrm>
-            <a:off x="6816247" y="3518737"/>
-            <a:ext cx="3044103" cy="461665"/>
-          </a:xfrm>
-          <a:prstGeom prst="rect">
-            <a:avLst/>
-          </a:prstGeom>
-          <a:noFill/>
-        </p:spPr>
-        <p:txBody>
-          <a:bodyPr wrap="none" rtlCol="0">
-            <a:spAutoFit/>
-          </a:bodyPr>
-          <a:lstStyle/>
-          <a:p>
-            <a:r>
-              <a:rPr lang="es-AR" sz="2400" dirty="0" smtClean="0"/>
-              <a:t>KNN Model:  </a:t>
-            </a:r>
-            <a:r>
-              <a:rPr lang="en-US" sz="2400" b="1" dirty="0" smtClean="0">
-                <a:solidFill>
-                  <a:srgbClr val="C00000"/>
-                </a:solidFill>
-              </a:rPr>
-              <a:t>0.00457</a:t>
-            </a:r>
-            <a:endParaRPr lang="es-AR" sz="2400" b="1" dirty="0">
-              <a:solidFill>
-                <a:srgbClr val="C00000"/>
-              </a:solidFill>
-            </a:endParaRPr>
-          </a:p>
-        </p:txBody>
-      </p:sp>
-      <p:sp>
-        <p:nvSpPr>
-          <p:cNvPr id="14" name="CuadroTexto 13"/>
-          <p:cNvSpPr txBox="1"/>
-          <p:nvPr/>
-        </p:nvSpPr>
-        <p:spPr>
-          <a:xfrm>
-            <a:off x="6726479" y="2168613"/>
-            <a:ext cx="3531416" cy="461665"/>
-          </a:xfrm>
-          <a:prstGeom prst="rect">
-            <a:avLst/>
-          </a:prstGeom>
-          <a:noFill/>
-        </p:spPr>
-        <p:txBody>
-          <a:bodyPr wrap="none" rtlCol="0">
-            <a:spAutoFit/>
-          </a:bodyPr>
-          <a:lstStyle/>
-          <a:p>
-            <a:r>
-              <a:rPr lang="es-AR" sz="2400" dirty="0" smtClean="0"/>
-              <a:t>Python Function:  </a:t>
-            </a:r>
-            <a:r>
-              <a:rPr lang="en-US" sz="2400" b="1" dirty="0" smtClean="0">
-                <a:solidFill>
-                  <a:srgbClr val="C00000"/>
-                </a:solidFill>
-              </a:rPr>
-              <a:t>0.03552</a:t>
-            </a:r>
-            <a:endParaRPr lang="es-AR" sz="2400" b="1" dirty="0">
+              <a:t>: Se recorrieron todos los usuarios del conjunto y se obtuvieron 20 recomendaciones para cada </a:t>
+            </a:r>
+            <a:r>
+              <a:rPr lang="es-AR" sz="2400" i="1" dirty="0" smtClean="0"/>
+              <a:t>account</a:t>
+            </a:r>
+            <a:endParaRPr lang="es-AR" sz="2400" b="1" i="1" dirty="0">
               <a:solidFill>
                 <a:srgbClr val="C00000"/>
               </a:solidFill>
@@ -14661,144 +17585,7 @@
     </p:spTree>
     <p:extLst>
       <p:ext uri="{BB962C8B-B14F-4D97-AF65-F5344CB8AC3E}">
-        <p14:creationId xmlns:p14="http://schemas.microsoft.com/office/powerpoint/2010/main" val="2216227826"/>
-      </p:ext>
-    </p:extLst>
-  </p:cSld>
-  <p:clrMapOvr>
-    <a:masterClrMapping/>
-  </p:clrMapOvr>
-  <p:timing>
-    <p:tnLst>
-      <p:par>
-        <p:cTn id="1" dur="indefinite" restart="never" nodeType="tmRoot"/>
-      </p:par>
-    </p:tnLst>
-  </p:timing>
-</p:sld>
-</file>
-
-<file path=ppt/slides/slide7.xml><?xml version="1.0" encoding="utf-8"?>
-<p:sld xmlns:a="http://schemas.openxmlformats.org/drawingml/2006/main" xmlns:r="http://schemas.openxmlformats.org/officeDocument/2006/relationships" xmlns:p="http://schemas.openxmlformats.org/presentationml/2006/main">
-  <p:cSld>
-    <p:bg>
-      <p:bgPr>
-        <a:solidFill>
-          <a:schemeClr val="tx1">
-            <a:lumMod val="95000"/>
-            <a:lumOff val="5000"/>
-          </a:schemeClr>
-        </a:solidFill>
-        <a:effectLst/>
-      </p:bgPr>
-    </p:bg>
-    <p:spTree>
-      <p:nvGrpSpPr>
-        <p:cNvPr id="1" name=""/>
-        <p:cNvGrpSpPr/>
-        <p:nvPr/>
-      </p:nvGrpSpPr>
-      <p:grpSpPr>
-        <a:xfrm>
-          <a:off x="0" y="0"/>
-          <a:ext cx="0" cy="0"/>
-          <a:chOff x="0" y="0"/>
-          <a:chExt cx="0" cy="0"/>
-        </a:xfrm>
-      </p:grpSpPr>
-      <p:sp>
-        <p:nvSpPr>
-          <p:cNvPr id="2" name="Título 1">
-            <a:extLst>
-              <a:ext uri="{FF2B5EF4-FFF2-40B4-BE49-F238E27FC236}">
-                <a16:creationId xmlns:a16="http://schemas.microsoft.com/office/drawing/2014/main" id="{51F70220-677A-411B-B416-94321A555329}"/>
-              </a:ext>
-            </a:extLst>
-          </p:cNvPr>
-          <p:cNvSpPr>
-            <a:spLocks noGrp="1"/>
-          </p:cNvSpPr>
-          <p:nvPr>
-            <p:ph type="title"/>
-          </p:nvPr>
-        </p:nvSpPr>
-        <p:spPr>
-          <a:xfrm>
-            <a:off x="6286768" y="2841509"/>
-            <a:ext cx="4451773" cy="1174991"/>
-          </a:xfrm>
-          <a:noFill/>
-          <a:ln w="31750" cap="sq">
-            <a:solidFill>
-              <a:schemeClr val="bg1"/>
-            </a:solidFill>
-            <a:miter lim="800000"/>
-          </a:ln>
-          <a:effectLst>
-            <a:glow rad="152400">
-              <a:schemeClr val="bg1">
-                <a:alpha val="13000"/>
-              </a:schemeClr>
-            </a:glow>
-          </a:effectLst>
-        </p:spPr>
-        <p:txBody>
-          <a:bodyPr vert="horz" wrap="square" lIns="182880" tIns="182880" rIns="182880" bIns="182880" rtlCol="0" anchor="ctr">
-            <a:normAutofit/>
-          </a:bodyPr>
-          <a:lstStyle/>
-          <a:p>
-            <a:pPr rtl="0"/>
-            <a:r>
-              <a:rPr lang="es-ES" dirty="0">
-                <a:solidFill>
-                  <a:schemeClr val="bg1"/>
-                </a:solidFill>
-              </a:rPr>
-              <a:t>Gracias</a:t>
-            </a:r>
-          </a:p>
-        </p:txBody>
-      </p:sp>
-      <p:pic>
-        <p:nvPicPr>
-          <p:cNvPr id="4" name="Imagen 3" descr="Mano con bolígrafo que apunta a números financieros">
-            <a:extLst>
-              <a:ext uri="{FF2B5EF4-FFF2-40B4-BE49-F238E27FC236}">
-                <a16:creationId xmlns:a16="http://schemas.microsoft.com/office/drawing/2014/main" id="{AB2E0BE0-B684-4228-A4DF-58C8CAFFDF47}"/>
-              </a:ext>
-            </a:extLst>
-          </p:cNvPr>
-          <p:cNvPicPr>
-            <a:picLocks noChangeAspect="1"/>
-          </p:cNvPicPr>
-          <p:nvPr/>
-        </p:nvPicPr>
-        <p:blipFill rotWithShape="1">
-          <a:blip r:embed="rId3" cstate="print">
-            <a:extLst>
-              <a:ext uri="{28A0092B-C50C-407E-A947-70E740481C1C}">
-                <a14:useLocalDpi xmlns:a14="http://schemas.microsoft.com/office/drawing/2010/main"/>
-              </a:ext>
-            </a:extLst>
-          </a:blip>
-          <a:srcRect b="-1"/>
-          <a:stretch/>
-        </p:blipFill>
-        <p:spPr>
-          <a:xfrm>
-            <a:off x="20" y="10"/>
-            <a:ext cx="4657325" cy="6857990"/>
-          </a:xfrm>
-          <a:prstGeom prst="rect">
-            <a:avLst/>
-          </a:prstGeom>
-        </p:spPr>
-      </p:pic>
-    </p:spTree>
-    <p:extLst>
-      <p:ext uri="{BB962C8B-B14F-4D97-AF65-F5344CB8AC3E}">
-        <p14:creationId xmlns:p14="http://schemas.microsoft.com/office/powerpoint/2010/main" val="2673849116"/>
+        <p14:creationId xmlns:p14="http://schemas.microsoft.com/office/powerpoint/2010/main" val="3605325986"/>
       </p:ext>
     </p:extLst>
   </p:cSld>
@@ -15598,6 +18385,23 @@
 </file>
 
 <file path=customXml/item1.xml><?xml version="1.0" encoding="utf-8"?>
+<?mso-contentType ?>
+<FormTemplates xmlns="http://schemas.microsoft.com/sharepoint/v3/contenttype/forms">
+  <Display>DocumentLibraryForm</Display>
+  <Edit>DocumentLibraryForm</Edit>
+  <New>DocumentLibraryForm</New>
+</FormTemplates>
+</file>
+
+<file path=customXml/item2.xml><?xml version="1.0" encoding="utf-8"?>
+<p:properties xmlns:p="http://schemas.microsoft.com/office/2006/metadata/properties" xmlns:xsi="http://www.w3.org/2001/XMLSchema-instance" xmlns:pc="http://schemas.microsoft.com/office/infopath/2007/PartnerControls">
+  <documentManagement>
+    <MediaServiceKeyPoints xmlns="71af3243-3dd4-4a8d-8c0d-dd76da1f02a5" xsi:nil="true"/>
+  </documentManagement>
+</p:properties>
+</file>
+
+<file path=customXml/item3.xml><?xml version="1.0" encoding="utf-8"?>
 <ct:contentTypeSchema xmlns:ct="http://schemas.microsoft.com/office/2006/metadata/contentType" xmlns:ma="http://schemas.microsoft.com/office/2006/metadata/properties/metaAttributes" ct:_="" ma:_="" ma:contentTypeName="Document" ma:contentTypeID="0x01010079F111ED35F8CC479449609E8A0923A6" ma:contentTypeVersion="11" ma:contentTypeDescription="Create a new document." ma:contentTypeScope="" ma:versionID="1c2eb7a32e66fb6e4260f3771546a5e2">
   <xsd:schema xmlns:xsd="http://www.w3.org/2001/XMLSchema" xmlns:xs="http://www.w3.org/2001/XMLSchema" xmlns:p="http://schemas.microsoft.com/office/2006/metadata/properties" xmlns:ns2="71af3243-3dd4-4a8d-8c0d-dd76da1f02a5" xmlns:ns3="16c05727-aa75-4e4a-9b5f-8a80a1165891" targetNamespace="http://schemas.microsoft.com/office/2006/metadata/properties" ma:root="true" ma:fieldsID="04e1f6479c48b08974ba73b5ca973489" ns2:_="" ns3:_="">
     <xsd:import namespace="71af3243-3dd4-4a8d-8c0d-dd76da1f02a5"/>
@@ -15808,38 +18612,10 @@
 </ct:contentTypeSchema>
 </file>
 
-<file path=customXml/item2.xml><?xml version="1.0" encoding="utf-8"?>
-<p:properties xmlns:p="http://schemas.microsoft.com/office/2006/metadata/properties" xmlns:xsi="http://www.w3.org/2001/XMLSchema-instance" xmlns:pc="http://schemas.microsoft.com/office/infopath/2007/PartnerControls">
-  <documentManagement>
-    <MediaServiceKeyPoints xmlns="71af3243-3dd4-4a8d-8c0d-dd76da1f02a5" xsi:nil="true"/>
-  </documentManagement>
-</p:properties>
-</file>
-
-<file path=customXml/item3.xml><?xml version="1.0" encoding="utf-8"?>
-<?mso-contentType ?>
-<FormTemplates xmlns="http://schemas.microsoft.com/sharepoint/v3/contenttype/forms">
-  <Display>DocumentLibraryForm</Display>
-  <Edit>DocumentLibraryForm</Edit>
-  <New>DocumentLibraryForm</New>
-</FormTemplates>
-</file>
-
 <file path=customXml/itemProps1.xml><?xml version="1.0" encoding="utf-8"?>
-<ds:datastoreItem xmlns:ds="http://schemas.openxmlformats.org/officeDocument/2006/customXml" ds:itemID="{22736BCB-6CE4-414B-B2BE-1DA087E5215C}">
+<ds:datastoreItem xmlns:ds="http://schemas.openxmlformats.org/officeDocument/2006/customXml" ds:itemID="{3E17AD15-0DEB-4851-82A2-261C041346DD}">
   <ds:schemaRefs>
-    <ds:schemaRef ds:uri="http://schemas.microsoft.com/office/2006/metadata/contentType"/>
-    <ds:schemaRef ds:uri="http://schemas.microsoft.com/office/2006/metadata/properties/metaAttributes"/>
-    <ds:schemaRef ds:uri="http://www.w3.org/2001/XMLSchema"/>
-    <ds:schemaRef ds:uri="http://schemas.microsoft.com/office/2006/metadata/properties"/>
-    <ds:schemaRef ds:uri="71af3243-3dd4-4a8d-8c0d-dd76da1f02a5"/>
-    <ds:schemaRef ds:uri="16c05727-aa75-4e4a-9b5f-8a80a1165891"/>
-    <ds:schemaRef ds:uri="http://schemas.microsoft.com/office/2006/documentManagement/types"/>
-    <ds:schemaRef ds:uri="http://schemas.microsoft.com/office/infopath/2007/PartnerControls"/>
-    <ds:schemaRef ds:uri="http://schemas.openxmlformats.org/package/2006/metadata/core-properties"/>
-    <ds:schemaRef ds:uri="http://purl.org/dc/elements/1.1/"/>
-    <ds:schemaRef ds:uri="http://purl.org/dc/terms/"/>
-    <ds:schemaRef ds:uri="http://schemas.microsoft.com/internal/obd"/>
+    <ds:schemaRef ds:uri="http://schemas.microsoft.com/sharepoint/v3/contenttype/forms"/>
   </ds:schemaRefs>
 </ds:datastoreItem>
 </file>
@@ -15862,9 +18638,20 @@
 </file>
 
 <file path=customXml/itemProps3.xml><?xml version="1.0" encoding="utf-8"?>
-<ds:datastoreItem xmlns:ds="http://schemas.openxmlformats.org/officeDocument/2006/customXml" ds:itemID="{3E17AD15-0DEB-4851-82A2-261C041346DD}">
+<ds:datastoreItem xmlns:ds="http://schemas.openxmlformats.org/officeDocument/2006/customXml" ds:itemID="{22736BCB-6CE4-414B-B2BE-1DA087E5215C}">
   <ds:schemaRefs>
-    <ds:schemaRef ds:uri="http://schemas.microsoft.com/sharepoint/v3/contenttype/forms"/>
+    <ds:schemaRef ds:uri="http://schemas.microsoft.com/office/2006/metadata/contentType"/>
+    <ds:schemaRef ds:uri="http://schemas.microsoft.com/office/2006/metadata/properties/metaAttributes"/>
+    <ds:schemaRef ds:uri="http://www.w3.org/2001/XMLSchema"/>
+    <ds:schemaRef ds:uri="http://schemas.microsoft.com/office/2006/metadata/properties"/>
+    <ds:schemaRef ds:uri="71af3243-3dd4-4a8d-8c0d-dd76da1f02a5"/>
+    <ds:schemaRef ds:uri="16c05727-aa75-4e4a-9b5f-8a80a1165891"/>
+    <ds:schemaRef ds:uri="http://schemas.microsoft.com/office/2006/documentManagement/types"/>
+    <ds:schemaRef ds:uri="http://schemas.microsoft.com/office/infopath/2007/PartnerControls"/>
+    <ds:schemaRef ds:uri="http://schemas.openxmlformats.org/package/2006/metadata/core-properties"/>
+    <ds:schemaRef ds:uri="http://purl.org/dc/elements/1.1/"/>
+    <ds:schemaRef ds:uri="http://purl.org/dc/terms/"/>
+    <ds:schemaRef ds:uri="http://schemas.microsoft.com/internal/obd"/>
   </ds:schemaRefs>
 </ds:datastoreItem>
 </file>